--- a/document/guide/화면설계서 V0.01.pptx
+++ b/document/guide/화면설계서 V0.01.pptx
@@ -6,8 +6,18 @@
   </p:sldMasterIdLst>
   <p:sldIdLst>
     <p:sldId id="256" r:id="rId2"/>
-    <p:sldId id="257" r:id="rId3"/>
-    <p:sldId id="258" r:id="rId4"/>
+    <p:sldId id="259" r:id="rId3"/>
+    <p:sldId id="260" r:id="rId4"/>
+    <p:sldId id="262" r:id="rId5"/>
+    <p:sldId id="261" r:id="rId6"/>
+    <p:sldId id="263" r:id="rId7"/>
+    <p:sldId id="267" r:id="rId8"/>
+    <p:sldId id="268" r:id="rId9"/>
+    <p:sldId id="264" r:id="rId10"/>
+    <p:sldId id="265" r:id="rId11"/>
+    <p:sldId id="266" r:id="rId12"/>
+    <p:sldId id="257" r:id="rId13"/>
+    <p:sldId id="258" r:id="rId14"/>
   </p:sldIdLst>
   <p:sldSz cx="9144000" cy="6858000" type="screen4x3"/>
   <p:notesSz cx="6858000" cy="9144000"/>
@@ -290,7 +300,7 @@
           <a:p>
             <a:fld id="{23AD815C-601B-49CD-8FF6-5B651A1CD159}" type="datetimeFigureOut">
               <a:rPr lang="ko-KR" altLang="en-US" smtClean="0"/>
-              <a:t>2012-09-19</a:t>
+              <a:t>2012-09-27</a:t>
             </a:fld>
             <a:endParaRPr lang="ko-KR" altLang="en-US"/>
           </a:p>
@@ -460,7 +470,7 @@
           <a:p>
             <a:fld id="{23AD815C-601B-49CD-8FF6-5B651A1CD159}" type="datetimeFigureOut">
               <a:rPr lang="ko-KR" altLang="en-US" smtClean="0"/>
-              <a:t>2012-09-19</a:t>
+              <a:t>2012-09-27</a:t>
             </a:fld>
             <a:endParaRPr lang="ko-KR" altLang="en-US"/>
           </a:p>
@@ -640,7 +650,7 @@
           <a:p>
             <a:fld id="{23AD815C-601B-49CD-8FF6-5B651A1CD159}" type="datetimeFigureOut">
               <a:rPr lang="ko-KR" altLang="en-US" smtClean="0"/>
-              <a:t>2012-09-19</a:t>
+              <a:t>2012-09-27</a:t>
             </a:fld>
             <a:endParaRPr lang="ko-KR" altLang="en-US"/>
           </a:p>
@@ -810,7 +820,7 @@
           <a:p>
             <a:fld id="{23AD815C-601B-49CD-8FF6-5B651A1CD159}" type="datetimeFigureOut">
               <a:rPr lang="ko-KR" altLang="en-US" smtClean="0"/>
-              <a:t>2012-09-19</a:t>
+              <a:t>2012-09-27</a:t>
             </a:fld>
             <a:endParaRPr lang="ko-KR" altLang="en-US"/>
           </a:p>
@@ -1056,7 +1066,7 @@
           <a:p>
             <a:fld id="{23AD815C-601B-49CD-8FF6-5B651A1CD159}" type="datetimeFigureOut">
               <a:rPr lang="ko-KR" altLang="en-US" smtClean="0"/>
-              <a:t>2012-09-19</a:t>
+              <a:t>2012-09-27</a:t>
             </a:fld>
             <a:endParaRPr lang="ko-KR" altLang="en-US"/>
           </a:p>
@@ -1344,7 +1354,7 @@
           <a:p>
             <a:fld id="{23AD815C-601B-49CD-8FF6-5B651A1CD159}" type="datetimeFigureOut">
               <a:rPr lang="ko-KR" altLang="en-US" smtClean="0"/>
-              <a:t>2012-09-19</a:t>
+              <a:t>2012-09-27</a:t>
             </a:fld>
             <a:endParaRPr lang="ko-KR" altLang="en-US"/>
           </a:p>
@@ -1766,7 +1776,7 @@
           <a:p>
             <a:fld id="{23AD815C-601B-49CD-8FF6-5B651A1CD159}" type="datetimeFigureOut">
               <a:rPr lang="ko-KR" altLang="en-US" smtClean="0"/>
-              <a:t>2012-09-19</a:t>
+              <a:t>2012-09-27</a:t>
             </a:fld>
             <a:endParaRPr lang="ko-KR" altLang="en-US"/>
           </a:p>
@@ -1884,7 +1894,7 @@
           <a:p>
             <a:fld id="{23AD815C-601B-49CD-8FF6-5B651A1CD159}" type="datetimeFigureOut">
               <a:rPr lang="ko-KR" altLang="en-US" smtClean="0"/>
-              <a:t>2012-09-19</a:t>
+              <a:t>2012-09-27</a:t>
             </a:fld>
             <a:endParaRPr lang="ko-KR" altLang="en-US"/>
           </a:p>
@@ -1979,7 +1989,7 @@
           <a:p>
             <a:fld id="{23AD815C-601B-49CD-8FF6-5B651A1CD159}" type="datetimeFigureOut">
               <a:rPr lang="ko-KR" altLang="en-US" smtClean="0"/>
-              <a:t>2012-09-19</a:t>
+              <a:t>2012-09-27</a:t>
             </a:fld>
             <a:endParaRPr lang="ko-KR" altLang="en-US"/>
           </a:p>
@@ -2256,7 +2266,7 @@
           <a:p>
             <a:fld id="{23AD815C-601B-49CD-8FF6-5B651A1CD159}" type="datetimeFigureOut">
               <a:rPr lang="ko-KR" altLang="en-US" smtClean="0"/>
-              <a:t>2012-09-19</a:t>
+              <a:t>2012-09-27</a:t>
             </a:fld>
             <a:endParaRPr lang="ko-KR" altLang="en-US"/>
           </a:p>
@@ -2509,7 +2519,7 @@
           <a:p>
             <a:fld id="{23AD815C-601B-49CD-8FF6-5B651A1CD159}" type="datetimeFigureOut">
               <a:rPr lang="ko-KR" altLang="en-US" smtClean="0"/>
-              <a:t>2012-09-19</a:t>
+              <a:t>2012-09-27</a:t>
             </a:fld>
             <a:endParaRPr lang="ko-KR" altLang="en-US"/>
           </a:p>
@@ -2722,7 +2732,7 @@
           <a:p>
             <a:fld id="{23AD815C-601B-49CD-8FF6-5B651A1CD159}" type="datetimeFigureOut">
               <a:rPr lang="ko-KR" altLang="en-US" smtClean="0"/>
-              <a:t>2012-09-19</a:t>
+              <a:t>2012-09-27</a:t>
             </a:fld>
             <a:endParaRPr lang="ko-KR" altLang="en-US"/>
           </a:p>
@@ -3152,7 +3162,7 @@
 </p:sld>
 </file>
 
-<file path=ppt/slides/slide2.xml><?xml version="1.0" encoding="utf-8"?>
+<file path=ppt/slides/slide10.xml><?xml version="1.0" encoding="utf-8"?>
 <p:sld xmlns:a="http://schemas.openxmlformats.org/drawingml/2006/main" xmlns:r="http://schemas.openxmlformats.org/officeDocument/2006/relationships" xmlns:p="http://schemas.openxmlformats.org/presentationml/2006/main">
   <p:cSld>
     <p:spTree>
@@ -3169,6 +3179,104 @@
           <a:chExt cx="0" cy="0"/>
         </a:xfrm>
       </p:grpSpPr>
+    </p:spTree>
+    <p:extLst>
+      <p:ext uri="{BB962C8B-B14F-4D97-AF65-F5344CB8AC3E}">
+        <p14:creationId xmlns:p14="http://schemas.microsoft.com/office/powerpoint/2010/main" val="1710853498"/>
+      </p:ext>
+    </p:extLst>
+  </p:cSld>
+  <p:clrMapOvr>
+    <a:masterClrMapping/>
+  </p:clrMapOvr>
+</p:sld>
+</file>
+
+<file path=ppt/slides/slide11.xml><?xml version="1.0" encoding="utf-8"?>
+<p:sld xmlns:a="http://schemas.openxmlformats.org/drawingml/2006/main" xmlns:r="http://schemas.openxmlformats.org/officeDocument/2006/relationships" xmlns:p="http://schemas.openxmlformats.org/presentationml/2006/main">
+  <p:cSld>
+    <p:spTree>
+      <p:nvGrpSpPr>
+        <p:cNvPr id="1" name=""/>
+        <p:cNvGrpSpPr/>
+        <p:nvPr/>
+      </p:nvGrpSpPr>
+      <p:grpSpPr>
+        <a:xfrm>
+          <a:off x="0" y="0"/>
+          <a:ext cx="0" cy="0"/>
+          <a:chOff x="0" y="0"/>
+          <a:chExt cx="0" cy="0"/>
+        </a:xfrm>
+      </p:grpSpPr>
+      <p:sp>
+        <p:nvSpPr>
+          <p:cNvPr id="2" name="제목 1"/>
+          <p:cNvSpPr>
+            <a:spLocks noGrp="1"/>
+          </p:cNvSpPr>
+          <p:nvPr>
+            <p:ph type="title"/>
+          </p:nvPr>
+        </p:nvSpPr>
+        <p:spPr/>
+        <p:txBody>
+          <a:bodyPr/>
+          <a:lstStyle/>
+          <a:p>
+            <a:endParaRPr lang="ko-KR" altLang="en-US"/>
+          </a:p>
+        </p:txBody>
+      </p:sp>
+      <p:sp>
+        <p:nvSpPr>
+          <p:cNvPr id="3" name="내용 개체 틀 2"/>
+          <p:cNvSpPr>
+            <a:spLocks noGrp="1"/>
+          </p:cNvSpPr>
+          <p:nvPr>
+            <p:ph idx="1"/>
+          </p:nvPr>
+        </p:nvSpPr>
+        <p:spPr/>
+        <p:txBody>
+          <a:bodyPr/>
+          <a:lstStyle/>
+          <a:p>
+            <a:endParaRPr lang="ko-KR" altLang="en-US"/>
+          </a:p>
+        </p:txBody>
+      </p:sp>
+    </p:spTree>
+    <p:extLst>
+      <p:ext uri="{BB962C8B-B14F-4D97-AF65-F5344CB8AC3E}">
+        <p14:creationId xmlns:p14="http://schemas.microsoft.com/office/powerpoint/2010/main" val="2602378199"/>
+      </p:ext>
+    </p:extLst>
+  </p:cSld>
+  <p:clrMapOvr>
+    <a:masterClrMapping/>
+  </p:clrMapOvr>
+</p:sld>
+</file>
+
+<file path=ppt/slides/slide12.xml><?xml version="1.0" encoding="utf-8"?>
+<p:sld xmlns:a="http://schemas.openxmlformats.org/drawingml/2006/main" xmlns:r="http://schemas.openxmlformats.org/officeDocument/2006/relationships" xmlns:p="http://schemas.openxmlformats.org/presentationml/2006/main">
+  <p:cSld>
+    <p:spTree>
+      <p:nvGrpSpPr>
+        <p:cNvPr id="1" name=""/>
+        <p:cNvGrpSpPr/>
+        <p:nvPr/>
+      </p:nvGrpSpPr>
+      <p:grpSpPr>
+        <a:xfrm>
+          <a:off x="0" y="0"/>
+          <a:ext cx="0" cy="0"/>
+          <a:chOff x="0" y="0"/>
+          <a:chExt cx="0" cy="0"/>
+        </a:xfrm>
+      </p:grpSpPr>
       <p:sp>
         <p:nvSpPr>
           <p:cNvPr id="4" name="직사각형 3"/>
@@ -3178,7 +3286,7 @@
         <p:spPr>
           <a:xfrm>
             <a:off x="0" y="0"/>
-            <a:ext cx="9144000" cy="692696"/>
+            <a:ext cx="9144000" cy="345600"/>
           </a:xfrm>
           <a:prstGeom prst="rect">
             <a:avLst/>
@@ -3236,7 +3344,7 @@
         </p:blipFill>
         <p:spPr bwMode="auto">
           <a:xfrm>
-            <a:off x="18272" y="721574"/>
+            <a:off x="18272" y="476672"/>
             <a:ext cx="5677093" cy="5299714"/>
           </a:xfrm>
           <a:prstGeom prst="rect">
@@ -3285,7 +3393,7 @@
         </p:nvSpPr>
         <p:spPr>
           <a:xfrm>
-            <a:off x="746950" y="1088740"/>
+            <a:off x="746950" y="843838"/>
             <a:ext cx="1008112" cy="252028"/>
           </a:xfrm>
           <a:prstGeom prst="rect">
@@ -3330,7 +3438,7 @@
         </p:nvSpPr>
         <p:spPr>
           <a:xfrm>
-            <a:off x="1611046" y="940113"/>
+            <a:off x="1611046" y="695211"/>
             <a:ext cx="288032" cy="288032"/>
           </a:xfrm>
           <a:prstGeom prst="dodecagon">
@@ -3380,7 +3488,7 @@
         </p:nvCxnSpPr>
         <p:spPr>
           <a:xfrm>
-            <a:off x="1899078" y="1045538"/>
+            <a:off x="1899078" y="800636"/>
             <a:ext cx="1520794" cy="2219138"/>
           </a:xfrm>
           <a:prstGeom prst="bentConnector3">
@@ -3415,7 +3523,7 @@
         </p:nvSpPr>
         <p:spPr>
           <a:xfrm>
-            <a:off x="3419872" y="1084128"/>
+            <a:off x="3419872" y="839226"/>
             <a:ext cx="2160240" cy="4361095"/>
           </a:xfrm>
           <a:prstGeom prst="rect">
@@ -3460,7 +3568,7 @@
         </p:nvSpPr>
         <p:spPr>
           <a:xfrm>
-            <a:off x="5796136" y="747452"/>
+            <a:off x="5796136" y="502550"/>
             <a:ext cx="3240360" cy="2123658"/>
           </a:xfrm>
           <a:prstGeom prst="rect">
@@ -3565,11 +3673,7 @@
             </a:r>
             <a:r>
               <a:rPr lang="ko-KR" altLang="en-US" sz="1200" dirty="0" smtClean="0"/>
-              <a:t>에서 선택이 된 설정 값 수정을 위한 화면이며 이 항목에서 </a:t>
-            </a:r>
-            <a:r>
-              <a:rPr lang="ko-KR" altLang="en-US" sz="1200" dirty="0" smtClean="0"/>
-              <a:t>수정 시 바로 바로 </a:t>
+              <a:t>에서 선택이 된 설정 값 수정을 위한 화면이며 이 항목에서 수정 시 바로 바로 </a:t>
             </a:r>
             <a:r>
               <a:rPr lang="en-US" altLang="ko-KR" sz="1200" dirty="0" smtClean="0"/>
@@ -3608,7 +3712,7 @@
         </p:nvSpPr>
         <p:spPr>
           <a:xfrm>
-            <a:off x="746950" y="1385209"/>
+            <a:off x="746950" y="1140307"/>
             <a:ext cx="1008112" cy="252028"/>
           </a:xfrm>
           <a:prstGeom prst="rect">
@@ -3653,7 +3757,7 @@
         </p:nvSpPr>
         <p:spPr>
           <a:xfrm>
-            <a:off x="1611046" y="1511223"/>
+            <a:off x="1611046" y="1266321"/>
             <a:ext cx="288032" cy="288032"/>
           </a:xfrm>
           <a:prstGeom prst="dodecagon">
@@ -3703,7 +3807,7 @@
         </p:nvCxnSpPr>
         <p:spPr>
           <a:xfrm rot="16200000" flipH="1">
-            <a:off x="1688940" y="1903967"/>
+            <a:off x="1688940" y="1659065"/>
             <a:ext cx="2538472" cy="2329047"/>
           </a:xfrm>
           <a:prstGeom prst="bentConnector2">
@@ -3736,7 +3840,7 @@
         </p:nvSpPr>
         <p:spPr>
           <a:xfrm>
-            <a:off x="4122700" y="4085699"/>
+            <a:off x="4122700" y="3840797"/>
             <a:ext cx="796280" cy="504056"/>
           </a:xfrm>
           <a:prstGeom prst="rect">
@@ -3781,7 +3885,7 @@
         </p:nvSpPr>
         <p:spPr>
           <a:xfrm>
-            <a:off x="179512" y="1719926"/>
+            <a:off x="179512" y="1475024"/>
             <a:ext cx="2304256" cy="3653289"/>
           </a:xfrm>
           <a:prstGeom prst="rect">
@@ -3826,7 +3930,7 @@
         </p:nvSpPr>
         <p:spPr>
           <a:xfrm>
-            <a:off x="1047871" y="3402554"/>
+            <a:off x="1047871" y="3157652"/>
             <a:ext cx="288032" cy="288032"/>
           </a:xfrm>
           <a:prstGeom prst="dodecagon">
@@ -3873,7 +3977,7 @@
         </p:nvSpPr>
         <p:spPr>
           <a:xfrm>
-            <a:off x="4323033" y="2011091"/>
+            <a:off x="4323033" y="1766189"/>
             <a:ext cx="288032" cy="288032"/>
           </a:xfrm>
           <a:prstGeom prst="dodecagon">
@@ -3916,6 +4020,358 @@
     <p:extLst>
       <p:ext uri="{BB962C8B-B14F-4D97-AF65-F5344CB8AC3E}">
         <p14:creationId xmlns:p14="http://schemas.microsoft.com/office/powerpoint/2010/main" val="3518869377"/>
+      </p:ext>
+    </p:extLst>
+  </p:cSld>
+  <p:clrMapOvr>
+    <a:masterClrMapping/>
+  </p:clrMapOvr>
+</p:sld>
+</file>
+
+<file path=ppt/slides/slide13.xml><?xml version="1.0" encoding="utf-8"?>
+<p:sld xmlns:a="http://schemas.openxmlformats.org/drawingml/2006/main" xmlns:r="http://schemas.openxmlformats.org/officeDocument/2006/relationships" xmlns:p="http://schemas.openxmlformats.org/presentationml/2006/main">
+  <p:cSld>
+    <p:spTree>
+      <p:nvGrpSpPr>
+        <p:cNvPr id="1" name=""/>
+        <p:cNvGrpSpPr/>
+        <p:nvPr/>
+      </p:nvGrpSpPr>
+      <p:grpSpPr>
+        <a:xfrm>
+          <a:off x="0" y="0"/>
+          <a:ext cx="0" cy="0"/>
+          <a:chOff x="0" y="0"/>
+          <a:chExt cx="0" cy="0"/>
+        </a:xfrm>
+      </p:grpSpPr>
+      <p:sp>
+        <p:nvSpPr>
+          <p:cNvPr id="4" name="직사각형 3"/>
+          <p:cNvSpPr/>
+          <p:nvPr/>
+        </p:nvSpPr>
+        <p:spPr>
+          <a:xfrm>
+            <a:off x="0" y="0"/>
+            <a:ext cx="9144000" cy="345600"/>
+          </a:xfrm>
+          <a:prstGeom prst="rect">
+            <a:avLst/>
+          </a:prstGeom>
+        </p:spPr>
+        <p:style>
+          <a:lnRef idx="2">
+            <a:schemeClr val="accent1">
+              <a:shade val="50000"/>
+            </a:schemeClr>
+          </a:lnRef>
+          <a:fillRef idx="1">
+            <a:schemeClr val="accent1"/>
+          </a:fillRef>
+          <a:effectRef idx="0">
+            <a:schemeClr val="accent1"/>
+          </a:effectRef>
+          <a:fontRef idx="minor">
+            <a:schemeClr val="lt1"/>
+          </a:fontRef>
+        </p:style>
+        <p:txBody>
+          <a:bodyPr rtlCol="0" anchor="ctr"/>
+          <a:lstStyle/>
+          <a:p>
+            <a:pPr algn="ctr"/>
+            <a:r>
+              <a:rPr lang="ko-KR" altLang="en-US" dirty="0" smtClean="0"/>
+              <a:t>템플릿 기능</a:t>
+            </a:r>
+            <a:endParaRPr lang="ko-KR" altLang="en-US" dirty="0"/>
+          </a:p>
+        </p:txBody>
+      </p:sp>
+    </p:spTree>
+    <p:extLst>
+      <p:ext uri="{BB962C8B-B14F-4D97-AF65-F5344CB8AC3E}">
+        <p14:creationId xmlns:p14="http://schemas.microsoft.com/office/powerpoint/2010/main" val="3985094995"/>
+      </p:ext>
+    </p:extLst>
+  </p:cSld>
+  <p:clrMapOvr>
+    <a:masterClrMapping/>
+  </p:clrMapOvr>
+</p:sld>
+</file>
+
+<file path=ppt/slides/slide2.xml><?xml version="1.0" encoding="utf-8"?>
+<p:sld xmlns:a="http://schemas.openxmlformats.org/drawingml/2006/main" xmlns:r="http://schemas.openxmlformats.org/officeDocument/2006/relationships" xmlns:p="http://schemas.openxmlformats.org/presentationml/2006/main">
+  <p:cSld>
+    <p:spTree>
+      <p:nvGrpSpPr>
+        <p:cNvPr id="1" name=""/>
+        <p:cNvGrpSpPr/>
+        <p:nvPr/>
+      </p:nvGrpSpPr>
+      <p:grpSpPr>
+        <a:xfrm>
+          <a:off x="0" y="0"/>
+          <a:ext cx="0" cy="0"/>
+          <a:chOff x="0" y="0"/>
+          <a:chExt cx="0" cy="0"/>
+        </a:xfrm>
+      </p:grpSpPr>
+      <p:sp>
+        <p:nvSpPr>
+          <p:cNvPr id="4" name="직사각형 3"/>
+          <p:cNvSpPr/>
+          <p:nvPr/>
+        </p:nvSpPr>
+        <p:spPr>
+          <a:xfrm>
+            <a:off x="0" y="0"/>
+            <a:ext cx="9144000" cy="345600"/>
+          </a:xfrm>
+          <a:prstGeom prst="rect">
+            <a:avLst/>
+          </a:prstGeom>
+        </p:spPr>
+        <p:style>
+          <a:lnRef idx="2">
+            <a:schemeClr val="accent1">
+              <a:shade val="50000"/>
+            </a:schemeClr>
+          </a:lnRef>
+          <a:fillRef idx="1">
+            <a:schemeClr val="accent1"/>
+          </a:fillRef>
+          <a:effectRef idx="0">
+            <a:schemeClr val="accent1"/>
+          </a:effectRef>
+          <a:fontRef idx="minor">
+            <a:schemeClr val="lt1"/>
+          </a:fontRef>
+        </p:style>
+        <p:txBody>
+          <a:bodyPr rtlCol="0" anchor="ctr"/>
+          <a:lstStyle/>
+          <a:p>
+            <a:pPr algn="ctr"/>
+            <a:r>
+              <a:rPr lang="ko-KR" altLang="en-US" dirty="0" smtClean="0"/>
+              <a:t>목</a:t>
+            </a:r>
+            <a:r>
+              <a:rPr lang="ko-KR" altLang="en-US" dirty="0"/>
+              <a:t>표</a:t>
+            </a:r>
+            <a:r>
+              <a:rPr lang="ko-KR" altLang="en-US" dirty="0" smtClean="0"/>
+              <a:t> 정리</a:t>
+            </a:r>
+            <a:r>
+              <a:rPr lang="en-US" altLang="ko-KR" dirty="0" smtClean="0"/>
+              <a:t> [</a:t>
+            </a:r>
+            <a:r>
+              <a:rPr lang="ko-KR" altLang="en-US" dirty="0" smtClean="0"/>
+              <a:t>글 설명</a:t>
+            </a:r>
+            <a:r>
+              <a:rPr lang="en-US" altLang="ko-KR" dirty="0" smtClean="0"/>
+              <a:t>]</a:t>
+            </a:r>
+          </a:p>
+        </p:txBody>
+      </p:sp>
+      <p:sp>
+        <p:nvSpPr>
+          <p:cNvPr id="5" name="TextBox 4"/>
+          <p:cNvSpPr txBox="1"/>
+          <p:nvPr/>
+        </p:nvSpPr>
+        <p:spPr>
+          <a:xfrm>
+            <a:off x="107504" y="476672"/>
+            <a:ext cx="8856984" cy="1446550"/>
+          </a:xfrm>
+          <a:prstGeom prst="rect">
+            <a:avLst/>
+          </a:prstGeom>
+          <a:noFill/>
+          <a:ln>
+            <a:solidFill>
+              <a:schemeClr val="accent1">
+                <a:shade val="50000"/>
+              </a:schemeClr>
+            </a:solidFill>
+            <a:prstDash val="dash"/>
+          </a:ln>
+        </p:spPr>
+        <p:txBody>
+          <a:bodyPr wrap="square" rtlCol="0">
+            <a:spAutoFit/>
+          </a:bodyPr>
+          <a:lstStyle/>
+          <a:p>
+            <a:r>
+              <a:rPr lang="ko-KR" altLang="en-US" sz="1100" dirty="0" err="1" smtClean="0"/>
+              <a:t>카카오톡</a:t>
+            </a:r>
+            <a:r>
+              <a:rPr lang="ko-KR" altLang="en-US" sz="1100" dirty="0" smtClean="0"/>
+              <a:t> 테마 저작 도구의 목표는 일반 사용자 및 테마 저작 전문가분들도 편하고 쉽게 </a:t>
+            </a:r>
+            <a:r>
+              <a:rPr lang="ko-KR" altLang="en-US" sz="1100" dirty="0" err="1" smtClean="0"/>
+              <a:t>카카오톡</a:t>
+            </a:r>
+            <a:r>
+              <a:rPr lang="ko-KR" altLang="en-US" sz="1100" dirty="0" smtClean="0"/>
+              <a:t> 테마를 저작 할 수 있도록 함이 최종 목표 입니다</a:t>
+            </a:r>
+            <a:r>
+              <a:rPr lang="en-US" altLang="ko-KR" sz="1100" dirty="0" smtClean="0"/>
+              <a:t>.</a:t>
+            </a:r>
+          </a:p>
+          <a:p>
+            <a:r>
+              <a:rPr lang="ko-KR" altLang="en-US" sz="1100" dirty="0" smtClean="0"/>
+              <a:t>일반 사용자에게는 편하고 빠르게 원하는 테마를 저작함에 기준을 두고 있으며</a:t>
+            </a:r>
+            <a:r>
+              <a:rPr lang="en-US" altLang="ko-KR" sz="1100" dirty="0" smtClean="0"/>
+              <a:t>, </a:t>
+            </a:r>
+            <a:r>
+              <a:rPr lang="ko-KR" altLang="en-US" sz="1100" dirty="0" smtClean="0"/>
+              <a:t>전문가분들은 세세하게 </a:t>
+            </a:r>
+            <a:r>
+              <a:rPr lang="ko-KR" altLang="en-US" sz="1100" dirty="0" err="1" smtClean="0"/>
+              <a:t>카카오톡</a:t>
+            </a:r>
+            <a:r>
+              <a:rPr lang="ko-KR" altLang="en-US" sz="1100" dirty="0" smtClean="0"/>
+              <a:t> 테마의 전부를 수정 할 수 있도록 해야 합니다</a:t>
+            </a:r>
+            <a:r>
+              <a:rPr lang="en-US" altLang="ko-KR" sz="1100" dirty="0" smtClean="0"/>
+              <a:t>.</a:t>
+            </a:r>
+          </a:p>
+          <a:p>
+            <a:endParaRPr lang="en-US" altLang="ko-KR" sz="1100" dirty="0" smtClean="0"/>
+          </a:p>
+          <a:p>
+            <a:r>
+              <a:rPr lang="ko-KR" altLang="en-US" sz="1100" dirty="0" smtClean="0"/>
+              <a:t>또한 </a:t>
+            </a:r>
+            <a:r>
+              <a:rPr lang="ko-KR" altLang="en-US" sz="1100" dirty="0" err="1" smtClean="0"/>
+              <a:t>안드로이드</a:t>
+            </a:r>
+            <a:r>
+              <a:rPr lang="en-US" altLang="ko-KR" sz="1100" dirty="0" smtClean="0"/>
+              <a:t>, </a:t>
+            </a:r>
+            <a:r>
+              <a:rPr lang="ko-KR" altLang="en-US" sz="1100" dirty="0" err="1" smtClean="0"/>
+              <a:t>아이폰</a:t>
+            </a:r>
+            <a:r>
+              <a:rPr lang="ko-KR" altLang="en-US" sz="1100" dirty="0" smtClean="0"/>
+              <a:t> 연동</a:t>
+            </a:r>
+            <a:r>
+              <a:rPr lang="en-US" altLang="ko-KR" sz="1100" dirty="0" smtClean="0"/>
+              <a:t>, </a:t>
+            </a:r>
+            <a:r>
+              <a:rPr lang="ko-KR" altLang="en-US" sz="1100" dirty="0" smtClean="0"/>
+              <a:t>유저 관리</a:t>
+            </a:r>
+            <a:r>
+              <a:rPr lang="en-US" altLang="ko-KR" sz="1100" dirty="0" smtClean="0"/>
+              <a:t>, </a:t>
+            </a:r>
+            <a:r>
+              <a:rPr lang="ko-KR" altLang="en-US" sz="1100" dirty="0" smtClean="0"/>
+              <a:t>테마 관리</a:t>
+            </a:r>
+            <a:r>
+              <a:rPr lang="en-US" altLang="ko-KR" sz="1100" dirty="0" smtClean="0"/>
+              <a:t>, </a:t>
+            </a:r>
+            <a:r>
+              <a:rPr lang="ko-KR" altLang="en-US" sz="1100" dirty="0" smtClean="0"/>
+              <a:t>페이스 북</a:t>
+            </a:r>
+            <a:r>
+              <a:rPr lang="en-US" altLang="ko-KR" sz="1100" dirty="0" smtClean="0"/>
+              <a:t>, </a:t>
+            </a:r>
+            <a:r>
+              <a:rPr lang="ko-KR" altLang="en-US" sz="1100" dirty="0" err="1" smtClean="0"/>
+              <a:t>트위터</a:t>
+            </a:r>
+            <a:r>
+              <a:rPr lang="en-US" altLang="ko-KR" sz="1100" dirty="0" smtClean="0"/>
+              <a:t>, </a:t>
+            </a:r>
+            <a:r>
+              <a:rPr lang="ko-KR" altLang="en-US" sz="1100" dirty="0" smtClean="0"/>
+              <a:t>카카오 톡 연동 및 별도 기능들도 해야 합니다</a:t>
+            </a:r>
+            <a:r>
+              <a:rPr lang="en-US" altLang="ko-KR" sz="1100" dirty="0" smtClean="0"/>
+              <a:t>.</a:t>
+            </a:r>
+          </a:p>
+          <a:p>
+            <a:r>
+              <a:rPr lang="ko-KR" altLang="en-US" sz="1100" dirty="0" smtClean="0"/>
+              <a:t>가장 중요한 것은 </a:t>
+            </a:r>
+            <a:r>
+              <a:rPr lang="ko-KR" altLang="en-US" sz="1100" dirty="0" err="1" smtClean="0"/>
+              <a:t>카카오톡</a:t>
+            </a:r>
+            <a:r>
+              <a:rPr lang="ko-KR" altLang="en-US" sz="1100" dirty="0" smtClean="0"/>
+              <a:t> 테마 저작임을 항상 명심을 해야 합니다</a:t>
+            </a:r>
+            <a:r>
+              <a:rPr lang="en-US" altLang="ko-KR" sz="1100" dirty="0" smtClean="0"/>
+              <a:t>.</a:t>
+            </a:r>
+          </a:p>
+          <a:p>
+            <a:r>
+              <a:rPr lang="ko-KR" altLang="en-US" sz="1100" dirty="0" smtClean="0"/>
+              <a:t>상세 기능은 기능 </a:t>
+            </a:r>
+            <a:r>
+              <a:rPr lang="ko-KR" altLang="en-US" sz="1100" dirty="0" err="1" smtClean="0"/>
+              <a:t>정의서에서</a:t>
+            </a:r>
+            <a:r>
+              <a:rPr lang="ko-KR" altLang="en-US" sz="1100" dirty="0" smtClean="0"/>
+              <a:t> 다루도록 하겠습니다</a:t>
+            </a:r>
+            <a:r>
+              <a:rPr lang="en-US" altLang="ko-KR" sz="1100" dirty="0" smtClean="0"/>
+              <a:t>.</a:t>
+            </a:r>
+            <a:endParaRPr lang="ko-KR" altLang="en-US" sz="1100" dirty="0"/>
+          </a:p>
+        </p:txBody>
+      </p:sp>
+    </p:spTree>
+    <p:extLst>
+      <p:ext uri="{BB962C8B-B14F-4D97-AF65-F5344CB8AC3E}">
+        <p14:creationId xmlns:p14="http://schemas.microsoft.com/office/powerpoint/2010/main" val="1716384668"/>
       </p:ext>
     </p:extLst>
   </p:cSld>
@@ -3951,7 +4407,7 @@
         <p:spPr>
           <a:xfrm>
             <a:off x="0" y="0"/>
-            <a:ext cx="9144000" cy="692696"/>
+            <a:ext cx="9144000" cy="345600"/>
           </a:xfrm>
           <a:prstGeom prst="rect">
             <a:avLst/>
@@ -3980,16 +4436,1822 @@
             <a:pPr algn="ctr"/>
             <a:r>
               <a:rPr lang="ko-KR" altLang="en-US" dirty="0" smtClean="0"/>
-              <a:t>템플릿 기능</a:t>
-            </a:r>
-            <a:endParaRPr lang="ko-KR" altLang="en-US" dirty="0"/>
+              <a:t>저작 흐름 정리</a:t>
+            </a:r>
+            <a:endParaRPr lang="en-US" altLang="ko-KR" dirty="0" smtClean="0"/>
+          </a:p>
+        </p:txBody>
+      </p:sp>
+      <p:sp>
+        <p:nvSpPr>
+          <p:cNvPr id="5" name="TextBox 4"/>
+          <p:cNvSpPr txBox="1"/>
+          <p:nvPr/>
+        </p:nvSpPr>
+        <p:spPr>
+          <a:xfrm>
+            <a:off x="107504" y="476672"/>
+            <a:ext cx="8856984" cy="2800767"/>
+          </a:xfrm>
+          <a:prstGeom prst="rect">
+            <a:avLst/>
+          </a:prstGeom>
+          <a:noFill/>
+          <a:ln>
+            <a:solidFill>
+              <a:schemeClr val="accent1">
+                <a:shade val="50000"/>
+              </a:schemeClr>
+            </a:solidFill>
+            <a:prstDash val="dash"/>
+          </a:ln>
+        </p:spPr>
+        <p:txBody>
+          <a:bodyPr wrap="square" rtlCol="0">
+            <a:spAutoFit/>
+          </a:bodyPr>
+          <a:lstStyle/>
+          <a:p>
+            <a:r>
+              <a:rPr lang="ko-KR" altLang="en-US" sz="1100" dirty="0" smtClean="0"/>
+              <a:t>가장 중요한 기능 저작에 관해서 설명을 하겠습니다</a:t>
+            </a:r>
+            <a:r>
+              <a:rPr lang="en-US" altLang="ko-KR" sz="1100" dirty="0" smtClean="0"/>
+              <a:t>.</a:t>
+            </a:r>
+          </a:p>
+          <a:p>
+            <a:r>
+              <a:rPr lang="ko-KR" altLang="en-US" sz="1100" dirty="0" smtClean="0"/>
+              <a:t>저작은 </a:t>
+            </a:r>
+            <a:r>
+              <a:rPr lang="en-US" altLang="ko-KR" sz="1100" dirty="0" smtClean="0"/>
+              <a:t>2</a:t>
+            </a:r>
+            <a:r>
+              <a:rPr lang="ko-KR" altLang="en-US" sz="1100" dirty="0" smtClean="0"/>
+              <a:t>가지 방법을 토대로 갑니다</a:t>
+            </a:r>
+            <a:r>
+              <a:rPr lang="en-US" altLang="ko-KR" sz="1100" dirty="0" smtClean="0"/>
+              <a:t>.</a:t>
+            </a:r>
+          </a:p>
+          <a:p>
+            <a:r>
+              <a:rPr lang="ko-KR" altLang="en-US" sz="1100" dirty="0" err="1" smtClean="0"/>
+              <a:t>첫번째로는</a:t>
+            </a:r>
+            <a:r>
+              <a:rPr lang="ko-KR" altLang="en-US" sz="1100" dirty="0" smtClean="0"/>
+              <a:t> </a:t>
+            </a:r>
+            <a:r>
+              <a:rPr lang="ko-KR" altLang="en-US" sz="1100" dirty="0" err="1" smtClean="0"/>
+              <a:t>위자드</a:t>
+            </a:r>
+            <a:r>
+              <a:rPr lang="ko-KR" altLang="en-US" sz="1100" dirty="0" smtClean="0"/>
+              <a:t> 형태의 저작 방안입니다</a:t>
+            </a:r>
+            <a:r>
+              <a:rPr lang="en-US" altLang="ko-KR" sz="1100" dirty="0" smtClean="0"/>
+              <a:t>.</a:t>
+            </a:r>
+          </a:p>
+          <a:p>
+            <a:r>
+              <a:rPr lang="ko-KR" altLang="en-US" sz="1100" dirty="0" err="1" smtClean="0"/>
+              <a:t>두번째는</a:t>
+            </a:r>
+            <a:r>
+              <a:rPr lang="ko-KR" altLang="en-US" sz="1100" dirty="0" smtClean="0"/>
+              <a:t> 상세 저작 방안 입니다</a:t>
+            </a:r>
+            <a:r>
+              <a:rPr lang="en-US" altLang="ko-KR" sz="1100" dirty="0" smtClean="0"/>
+              <a:t>.</a:t>
+            </a:r>
+          </a:p>
+          <a:p>
+            <a:r>
+              <a:rPr lang="ko-KR" altLang="en-US" sz="1100" dirty="0" smtClean="0"/>
+              <a:t>간략하게 설명을 드리겠습니다</a:t>
+            </a:r>
+            <a:r>
+              <a:rPr lang="en-US" altLang="ko-KR" sz="1100" dirty="0" smtClean="0"/>
+              <a:t>.</a:t>
+            </a:r>
+          </a:p>
+          <a:p>
+            <a:r>
+              <a:rPr lang="ko-KR" altLang="en-US" sz="1100" dirty="0" err="1" smtClean="0"/>
+              <a:t>위자드</a:t>
+            </a:r>
+            <a:r>
+              <a:rPr lang="ko-KR" altLang="en-US" sz="1100" dirty="0" smtClean="0"/>
+              <a:t> 형태의 저작은 전문가가 아닌 일반 사용자가 쉽고 빠르게 저작을 할 수 있도록 하기 위한 방법이며 단계별로 사용자가 원하는 형태의 테마를 만드는 것입니다</a:t>
+            </a:r>
+            <a:r>
+              <a:rPr lang="en-US" altLang="ko-KR" sz="1100" dirty="0" smtClean="0"/>
+              <a:t>.</a:t>
+            </a:r>
+          </a:p>
+          <a:p>
+            <a:r>
+              <a:rPr lang="ko-KR" altLang="en-US" sz="1100" dirty="0" smtClean="0"/>
+              <a:t>상세 저작방법은 </a:t>
+            </a:r>
+            <a:r>
+              <a:rPr lang="ko-KR" altLang="en-US" sz="1100" dirty="0" err="1" smtClean="0"/>
+              <a:t>위자드</a:t>
+            </a:r>
+            <a:r>
+              <a:rPr lang="ko-KR" altLang="en-US" sz="1100" dirty="0" smtClean="0"/>
+              <a:t> 또는 아무것도 없는 화면</a:t>
+            </a:r>
+            <a:r>
+              <a:rPr lang="en-US" altLang="ko-KR" sz="1100" dirty="0" smtClean="0"/>
+              <a:t>, </a:t>
+            </a:r>
+            <a:r>
+              <a:rPr lang="ko-KR" altLang="en-US" sz="1100" dirty="0" smtClean="0"/>
+              <a:t>또는 템플릿으로만 구성된 화면에서 각각의 단계의 화면을 상세하게 저작을 할 수 있도록 하는 방법입니다</a:t>
+            </a:r>
+            <a:r>
+              <a:rPr lang="en-US" altLang="ko-KR" sz="1100" dirty="0" smtClean="0"/>
+              <a:t>.</a:t>
+            </a:r>
+          </a:p>
+          <a:p>
+            <a:endParaRPr lang="en-US" altLang="ko-KR" sz="1100" dirty="0" smtClean="0"/>
+          </a:p>
+          <a:p>
+            <a:r>
+              <a:rPr lang="ko-KR" altLang="en-US" sz="1100" dirty="0" smtClean="0"/>
+              <a:t>보통 사용자가 프로젝트를 생성하거나</a:t>
+            </a:r>
+            <a:r>
+              <a:rPr lang="en-US" altLang="ko-KR" sz="1100" dirty="0" smtClean="0"/>
+              <a:t>, </a:t>
+            </a:r>
+            <a:r>
+              <a:rPr lang="ko-KR" altLang="en-US" sz="1100" dirty="0" smtClean="0"/>
+              <a:t>저작을 하겠다는 일련의 행동을 합니다</a:t>
+            </a:r>
+            <a:r>
+              <a:rPr lang="en-US" altLang="ko-KR" sz="1100" dirty="0" smtClean="0"/>
+              <a:t>.</a:t>
+            </a:r>
+          </a:p>
+          <a:p>
+            <a:r>
+              <a:rPr lang="ko-KR" altLang="en-US" sz="1100" dirty="0" err="1" smtClean="0"/>
+              <a:t>위자드형태</a:t>
+            </a:r>
+            <a:r>
+              <a:rPr lang="en-US" altLang="ko-KR" sz="1100" dirty="0" smtClean="0"/>
+              <a:t>, </a:t>
+            </a:r>
+            <a:r>
+              <a:rPr lang="ko-KR" altLang="en-US" sz="1100" dirty="0" smtClean="0"/>
+              <a:t>상세형태 둘 중에 하나를 고르도록 하게 합니다</a:t>
+            </a:r>
+            <a:r>
+              <a:rPr lang="en-US" altLang="ko-KR" sz="1100" dirty="0" smtClean="0"/>
+              <a:t>.</a:t>
+            </a:r>
+          </a:p>
+          <a:p>
+            <a:r>
+              <a:rPr lang="ko-KR" altLang="en-US" sz="1100" dirty="0" err="1" smtClean="0"/>
+              <a:t>위자드</a:t>
+            </a:r>
+            <a:r>
+              <a:rPr lang="ko-KR" altLang="en-US" sz="1100" dirty="0" smtClean="0"/>
+              <a:t> 형태를 고르시면</a:t>
+            </a:r>
+            <a:r>
+              <a:rPr lang="en-US" altLang="ko-KR" sz="1100" dirty="0"/>
+              <a:t> </a:t>
+            </a:r>
+            <a:r>
+              <a:rPr lang="ko-KR" altLang="en-US" sz="1100" dirty="0" err="1" smtClean="0"/>
+              <a:t>위자드</a:t>
+            </a:r>
+            <a:r>
+              <a:rPr lang="ko-KR" altLang="en-US" sz="1100" dirty="0" smtClean="0"/>
+              <a:t> 형태를 따라 테마를 만들고 만들어진 테마를 상세 하게 저작 할 수 있도록 합니다</a:t>
+            </a:r>
+            <a:r>
+              <a:rPr lang="en-US" altLang="ko-KR" sz="1100" dirty="0" smtClean="0"/>
+              <a:t>.</a:t>
+            </a:r>
+          </a:p>
+          <a:p>
+            <a:r>
+              <a:rPr lang="ko-KR" altLang="en-US" sz="1100" dirty="0" smtClean="0"/>
+              <a:t>상세 형태를 고르면 상세 형태에서는 기본 </a:t>
+            </a:r>
+            <a:r>
+              <a:rPr lang="ko-KR" altLang="en-US" sz="1100" dirty="0" err="1" smtClean="0"/>
+              <a:t>카카오톡</a:t>
+            </a:r>
+            <a:r>
+              <a:rPr lang="ko-KR" altLang="en-US" sz="1100" dirty="0" smtClean="0"/>
+              <a:t> 테마나</a:t>
+            </a:r>
+            <a:r>
+              <a:rPr lang="en-US" altLang="ko-KR" sz="1100" dirty="0"/>
+              <a:t> </a:t>
+            </a:r>
+            <a:r>
+              <a:rPr lang="ko-KR" altLang="en-US" sz="1100" dirty="0" smtClean="0"/>
+              <a:t>제공된 </a:t>
+            </a:r>
+            <a:r>
+              <a:rPr lang="ko-KR" altLang="en-US" sz="1100" dirty="0" err="1" smtClean="0"/>
+              <a:t>템플릿중</a:t>
+            </a:r>
+            <a:r>
+              <a:rPr lang="ko-KR" altLang="en-US" sz="1100" dirty="0" smtClean="0"/>
+              <a:t> 하나를 선택한 후 상세 저작을 할 수 있도록 하게 합니다</a:t>
+            </a:r>
+            <a:r>
+              <a:rPr lang="en-US" altLang="ko-KR" sz="1100" dirty="0" smtClean="0"/>
+              <a:t>.</a:t>
+            </a:r>
+            <a:endParaRPr lang="en-US" altLang="ko-KR" sz="1100" dirty="0"/>
+          </a:p>
+          <a:p>
+            <a:endParaRPr lang="en-US" altLang="ko-KR" sz="1100" dirty="0" smtClean="0"/>
+          </a:p>
+          <a:p>
+            <a:r>
+              <a:rPr lang="ko-KR" altLang="en-US" sz="1100" dirty="0" smtClean="0"/>
+              <a:t>다음 장에 상세히 설명을 드리겠습니다</a:t>
+            </a:r>
+            <a:r>
+              <a:rPr lang="en-US" altLang="ko-KR" sz="1100" dirty="0" smtClean="0"/>
+              <a:t>.</a:t>
+            </a:r>
+            <a:endParaRPr lang="en-US" altLang="ko-KR" sz="1100" dirty="0"/>
           </a:p>
         </p:txBody>
       </p:sp>
     </p:spTree>
     <p:extLst>
       <p:ext uri="{BB962C8B-B14F-4D97-AF65-F5344CB8AC3E}">
-        <p14:creationId xmlns:p14="http://schemas.microsoft.com/office/powerpoint/2010/main" val="3985094995"/>
+        <p14:creationId xmlns:p14="http://schemas.microsoft.com/office/powerpoint/2010/main" val="2549872002"/>
+      </p:ext>
+    </p:extLst>
+  </p:cSld>
+  <p:clrMapOvr>
+    <a:masterClrMapping/>
+  </p:clrMapOvr>
+</p:sld>
+</file>
+
+<file path=ppt/slides/slide4.xml><?xml version="1.0" encoding="utf-8"?>
+<p:sld xmlns:a="http://schemas.openxmlformats.org/drawingml/2006/main" xmlns:r="http://schemas.openxmlformats.org/officeDocument/2006/relationships" xmlns:p="http://schemas.openxmlformats.org/presentationml/2006/main">
+  <p:cSld>
+    <p:spTree>
+      <p:nvGrpSpPr>
+        <p:cNvPr id="1" name=""/>
+        <p:cNvGrpSpPr/>
+        <p:nvPr/>
+      </p:nvGrpSpPr>
+      <p:grpSpPr>
+        <a:xfrm>
+          <a:off x="0" y="0"/>
+          <a:ext cx="0" cy="0"/>
+          <a:chOff x="0" y="0"/>
+          <a:chExt cx="0" cy="0"/>
+        </a:xfrm>
+      </p:grpSpPr>
+      <p:sp>
+        <p:nvSpPr>
+          <p:cNvPr id="4" name="직사각형 3"/>
+          <p:cNvSpPr/>
+          <p:nvPr/>
+        </p:nvSpPr>
+        <p:spPr>
+          <a:xfrm>
+            <a:off x="0" y="0"/>
+            <a:ext cx="9144000" cy="346348"/>
+          </a:xfrm>
+          <a:prstGeom prst="rect">
+            <a:avLst/>
+          </a:prstGeom>
+        </p:spPr>
+        <p:style>
+          <a:lnRef idx="2">
+            <a:schemeClr val="accent1">
+              <a:shade val="50000"/>
+            </a:schemeClr>
+          </a:lnRef>
+          <a:fillRef idx="1">
+            <a:schemeClr val="accent1"/>
+          </a:fillRef>
+          <a:effectRef idx="0">
+            <a:schemeClr val="accent1"/>
+          </a:effectRef>
+          <a:fontRef idx="minor">
+            <a:schemeClr val="lt1"/>
+          </a:fontRef>
+        </p:style>
+        <p:txBody>
+          <a:bodyPr rtlCol="0" anchor="ctr"/>
+          <a:lstStyle/>
+          <a:p>
+            <a:pPr algn="ctr"/>
+            <a:r>
+              <a:rPr lang="ko-KR" altLang="en-US" dirty="0" smtClean="0"/>
+              <a:t>최초 저작</a:t>
+            </a:r>
+            <a:endParaRPr lang="en-US" altLang="ko-KR" dirty="0" smtClean="0"/>
+          </a:p>
+        </p:txBody>
+      </p:sp>
+      <p:pic>
+        <p:nvPicPr>
+          <p:cNvPr id="1026" name="Picture 2"/>
+          <p:cNvPicPr>
+            <a:picLocks noChangeAspect="1" noChangeArrowheads="1"/>
+          </p:cNvPicPr>
+          <p:nvPr/>
+        </p:nvPicPr>
+        <p:blipFill>
+          <a:blip r:embed="rId2">
+            <a:extLst>
+              <a:ext uri="{28A0092B-C50C-407E-A947-70E740481C1C}">
+                <a14:useLocalDpi xmlns:a14="http://schemas.microsoft.com/office/drawing/2010/main" val="0"/>
+              </a:ext>
+            </a:extLst>
+          </a:blip>
+          <a:srcRect/>
+          <a:stretch>
+            <a:fillRect/>
+          </a:stretch>
+        </p:blipFill>
+        <p:spPr bwMode="auto">
+          <a:xfrm>
+            <a:off x="1043608" y="404664"/>
+            <a:ext cx="7478115" cy="4877594"/>
+          </a:xfrm>
+          <a:prstGeom prst="rect">
+            <a:avLst/>
+          </a:prstGeom>
+          <a:noFill/>
+          <a:ln>
+            <a:noFill/>
+          </a:ln>
+          <a:effectLst/>
+          <a:extLst>
+            <a:ext uri="{909E8E84-426E-40DD-AFC4-6F175D3DCCD1}">
+              <a14:hiddenFill xmlns:a14="http://schemas.microsoft.com/office/drawing/2010/main">
+                <a:solidFill>
+                  <a:schemeClr val="accent1"/>
+                </a:solidFill>
+              </a14:hiddenFill>
+            </a:ext>
+            <a:ext uri="{91240B29-F687-4F45-9708-019B960494DF}">
+              <a14:hiddenLine xmlns:a14="http://schemas.microsoft.com/office/drawing/2010/main" w="9525">
+                <a:solidFill>
+                  <a:schemeClr val="tx1"/>
+                </a:solidFill>
+                <a:miter lim="800000"/>
+                <a:headEnd/>
+                <a:tailEnd/>
+              </a14:hiddenLine>
+            </a:ext>
+            <a:ext uri="{AF507438-7753-43E0-B8FC-AC1667EBCBE1}">
+              <a14:hiddenEffects xmlns:a14="http://schemas.microsoft.com/office/drawing/2010/main">
+                <a:effectLst>
+                  <a:outerShdw dist="35921" dir="2700000" algn="ctr" rotWithShape="0">
+                    <a:schemeClr val="bg2"/>
+                  </a:outerShdw>
+                </a:effectLst>
+              </a14:hiddenEffects>
+            </a:ext>
+          </a:extLst>
+        </p:spPr>
+      </p:pic>
+      <p:sp>
+        <p:nvSpPr>
+          <p:cNvPr id="6" name="TextBox 5"/>
+          <p:cNvSpPr txBox="1"/>
+          <p:nvPr/>
+        </p:nvSpPr>
+        <p:spPr>
+          <a:xfrm>
+            <a:off x="107504" y="5445224"/>
+            <a:ext cx="8856984" cy="769441"/>
+          </a:xfrm>
+          <a:prstGeom prst="rect">
+            <a:avLst/>
+          </a:prstGeom>
+          <a:noFill/>
+          <a:ln>
+            <a:solidFill>
+              <a:schemeClr val="accent1">
+                <a:shade val="50000"/>
+              </a:schemeClr>
+            </a:solidFill>
+            <a:prstDash val="dash"/>
+          </a:ln>
+        </p:spPr>
+        <p:txBody>
+          <a:bodyPr wrap="square" rtlCol="0">
+            <a:spAutoFit/>
+          </a:bodyPr>
+          <a:lstStyle/>
+          <a:p>
+            <a:r>
+              <a:rPr lang="ko-KR" altLang="en-US" sz="1100" dirty="0" smtClean="0"/>
+              <a:t>최초 저작 화면에서는 위와 </a:t>
+            </a:r>
+            <a:r>
+              <a:rPr lang="ko-KR" altLang="en-US" sz="1100" dirty="0" err="1" smtClean="0"/>
+              <a:t>비슷</a:t>
+            </a:r>
+            <a:r>
+              <a:rPr lang="ko-KR" altLang="en-US" sz="1100" dirty="0" smtClean="0"/>
+              <a:t> 한 형태로 저작을 하도록 할 것입니다</a:t>
+            </a:r>
+            <a:r>
+              <a:rPr lang="en-US" altLang="ko-KR" sz="1100" dirty="0" smtClean="0"/>
+              <a:t>.</a:t>
+            </a:r>
+          </a:p>
+          <a:p>
+            <a:r>
+              <a:rPr lang="ko-KR" altLang="en-US" sz="1100" dirty="0" err="1" smtClean="0"/>
+              <a:t>위자드</a:t>
+            </a:r>
+            <a:r>
+              <a:rPr lang="ko-KR" altLang="en-US" sz="1100" dirty="0" smtClean="0"/>
+              <a:t> 방식</a:t>
+            </a:r>
+            <a:r>
+              <a:rPr lang="en-US" altLang="ko-KR" sz="1100" dirty="0" smtClean="0"/>
+              <a:t>, </a:t>
+            </a:r>
+            <a:r>
+              <a:rPr lang="ko-KR" altLang="en-US" sz="1100" dirty="0" smtClean="0"/>
+              <a:t>상세 저작 방식을 선택 하도록 할 것이며</a:t>
+            </a:r>
+            <a:r>
+              <a:rPr lang="en-US" altLang="ko-KR" sz="1100" dirty="0" smtClean="0"/>
+              <a:t>, </a:t>
+            </a:r>
+            <a:r>
+              <a:rPr lang="ko-KR" altLang="en-US" sz="1100" dirty="0" smtClean="0"/>
+              <a:t>붉은 글씨로 간략한 설명과 선택한 저작방식으로 테마를 만드는 동영상이 사용자에게 보여지게 될 것입니다</a:t>
+            </a:r>
+            <a:r>
+              <a:rPr lang="en-US" altLang="ko-KR" sz="1100" dirty="0" smtClean="0"/>
+              <a:t>.</a:t>
+            </a:r>
+          </a:p>
+          <a:p>
+            <a:r>
+              <a:rPr lang="ko-KR" altLang="en-US" sz="1100" dirty="0" smtClean="0"/>
+              <a:t>저작방식은 차후 확장 가능성이 있으니 확장 고려를 생각해서 만들어야 합니다</a:t>
+            </a:r>
+            <a:r>
+              <a:rPr lang="en-US" altLang="ko-KR" sz="1100" dirty="0" smtClean="0"/>
+              <a:t>.</a:t>
+            </a:r>
+          </a:p>
+        </p:txBody>
+      </p:sp>
+    </p:spTree>
+    <p:extLst>
+      <p:ext uri="{BB962C8B-B14F-4D97-AF65-F5344CB8AC3E}">
+        <p14:creationId xmlns:p14="http://schemas.microsoft.com/office/powerpoint/2010/main" val="1148488601"/>
+      </p:ext>
+    </p:extLst>
+  </p:cSld>
+  <p:clrMapOvr>
+    <a:masterClrMapping/>
+  </p:clrMapOvr>
+</p:sld>
+</file>
+
+<file path=ppt/slides/slide5.xml><?xml version="1.0" encoding="utf-8"?>
+<p:sld xmlns:a="http://schemas.openxmlformats.org/drawingml/2006/main" xmlns:r="http://schemas.openxmlformats.org/officeDocument/2006/relationships" xmlns:p="http://schemas.openxmlformats.org/presentationml/2006/main">
+  <p:cSld>
+    <p:spTree>
+      <p:nvGrpSpPr>
+        <p:cNvPr id="1" name=""/>
+        <p:cNvGrpSpPr/>
+        <p:nvPr/>
+      </p:nvGrpSpPr>
+      <p:grpSpPr>
+        <a:xfrm>
+          <a:off x="0" y="0"/>
+          <a:ext cx="0" cy="0"/>
+          <a:chOff x="0" y="0"/>
+          <a:chExt cx="0" cy="0"/>
+        </a:xfrm>
+      </p:grpSpPr>
+      <p:sp>
+        <p:nvSpPr>
+          <p:cNvPr id="4" name="직사각형 3"/>
+          <p:cNvSpPr/>
+          <p:nvPr/>
+        </p:nvSpPr>
+        <p:spPr>
+          <a:xfrm>
+            <a:off x="0" y="0"/>
+            <a:ext cx="9144000" cy="345600"/>
+          </a:xfrm>
+          <a:prstGeom prst="rect">
+            <a:avLst/>
+          </a:prstGeom>
+        </p:spPr>
+        <p:style>
+          <a:lnRef idx="2">
+            <a:schemeClr val="accent1">
+              <a:shade val="50000"/>
+            </a:schemeClr>
+          </a:lnRef>
+          <a:fillRef idx="1">
+            <a:schemeClr val="accent1"/>
+          </a:fillRef>
+          <a:effectRef idx="0">
+            <a:schemeClr val="accent1"/>
+          </a:effectRef>
+          <a:fontRef idx="minor">
+            <a:schemeClr val="lt1"/>
+          </a:fontRef>
+        </p:style>
+        <p:txBody>
+          <a:bodyPr rtlCol="0" anchor="ctr"/>
+          <a:lstStyle/>
+          <a:p>
+            <a:pPr algn="ctr"/>
+            <a:r>
+              <a:rPr lang="ko-KR" altLang="en-US" dirty="0" err="1" smtClean="0"/>
+              <a:t>위자드</a:t>
+            </a:r>
+            <a:r>
+              <a:rPr lang="ko-KR" altLang="en-US" dirty="0" smtClean="0"/>
+              <a:t> 형태의 저작방안 </a:t>
+            </a:r>
+            <a:r>
+              <a:rPr lang="en-US" altLang="ko-KR" dirty="0" smtClean="0"/>
+              <a:t>1</a:t>
+            </a:r>
+            <a:r>
+              <a:rPr lang="ko-KR" altLang="en-US" dirty="0" smtClean="0"/>
+              <a:t>단계</a:t>
+            </a:r>
+            <a:r>
+              <a:rPr lang="en-US" altLang="ko-KR" dirty="0"/>
+              <a:t> </a:t>
+            </a:r>
+            <a:r>
+              <a:rPr lang="en-US" altLang="ko-KR" dirty="0" smtClean="0"/>
+              <a:t>– </a:t>
+            </a:r>
+            <a:r>
+              <a:rPr lang="ko-KR" altLang="en-US" dirty="0" smtClean="0"/>
+              <a:t>기본 설정</a:t>
+            </a:r>
+            <a:endParaRPr lang="en-US" altLang="ko-KR" dirty="0" smtClean="0"/>
+          </a:p>
+        </p:txBody>
+      </p:sp>
+      <p:sp>
+        <p:nvSpPr>
+          <p:cNvPr id="8" name="TextBox 7"/>
+          <p:cNvSpPr txBox="1"/>
+          <p:nvPr/>
+        </p:nvSpPr>
+        <p:spPr>
+          <a:xfrm>
+            <a:off x="107504" y="5445224"/>
+            <a:ext cx="8856984" cy="938719"/>
+          </a:xfrm>
+          <a:prstGeom prst="rect">
+            <a:avLst/>
+          </a:prstGeom>
+          <a:noFill/>
+          <a:ln>
+            <a:solidFill>
+              <a:schemeClr val="accent1">
+                <a:shade val="50000"/>
+              </a:schemeClr>
+            </a:solidFill>
+            <a:prstDash val="dash"/>
+          </a:ln>
+        </p:spPr>
+        <p:txBody>
+          <a:bodyPr wrap="square" rtlCol="0">
+            <a:spAutoFit/>
+          </a:bodyPr>
+          <a:lstStyle/>
+          <a:p>
+            <a:r>
+              <a:rPr lang="ko-KR" altLang="en-US" sz="1100" dirty="0" err="1" smtClean="0"/>
+              <a:t>위자드</a:t>
+            </a:r>
+            <a:r>
+              <a:rPr lang="ko-KR" altLang="en-US" sz="1100" dirty="0" smtClean="0"/>
+              <a:t> </a:t>
+            </a:r>
+            <a:r>
+              <a:rPr lang="en-US" altLang="ko-KR" sz="1100" dirty="0" smtClean="0"/>
+              <a:t>1</a:t>
+            </a:r>
+            <a:r>
+              <a:rPr lang="ko-KR" altLang="en-US" sz="1100" dirty="0" smtClean="0"/>
+              <a:t>단계 기본 설정에서는 </a:t>
+            </a:r>
+            <a:r>
+              <a:rPr lang="ko-KR" altLang="en-US" sz="1100" dirty="0" smtClean="0">
+                <a:solidFill>
+                  <a:srgbClr val="FF0000"/>
+                </a:solidFill>
+              </a:rPr>
+              <a:t>테마 이름</a:t>
+            </a:r>
+            <a:r>
+              <a:rPr lang="en-US" altLang="ko-KR" sz="1100" dirty="0" smtClean="0">
+                <a:solidFill>
+                  <a:srgbClr val="FF0000"/>
+                </a:solidFill>
+              </a:rPr>
+              <a:t>, </a:t>
+            </a:r>
+            <a:r>
+              <a:rPr lang="ko-KR" altLang="en-US" sz="1100" dirty="0" err="1" smtClean="0">
+                <a:solidFill>
+                  <a:srgbClr val="FF0000"/>
+                </a:solidFill>
+              </a:rPr>
+              <a:t>어플</a:t>
+            </a:r>
+            <a:r>
+              <a:rPr lang="ko-KR" altLang="en-US" sz="1100" dirty="0" smtClean="0">
+                <a:solidFill>
+                  <a:srgbClr val="FF0000"/>
+                </a:solidFill>
+              </a:rPr>
+              <a:t> 이름</a:t>
+            </a:r>
+            <a:r>
+              <a:rPr lang="en-US" altLang="ko-KR" sz="1100" dirty="0" smtClean="0">
+                <a:solidFill>
+                  <a:srgbClr val="FF0000"/>
+                </a:solidFill>
+              </a:rPr>
+              <a:t>, OS </a:t>
+            </a:r>
+            <a:r>
+              <a:rPr lang="ko-KR" altLang="en-US" sz="1100" dirty="0" smtClean="0">
+                <a:solidFill>
+                  <a:srgbClr val="FF0000"/>
+                </a:solidFill>
+              </a:rPr>
+              <a:t>종류</a:t>
+            </a:r>
+            <a:r>
+              <a:rPr lang="ko-KR" altLang="en-US" sz="1100" dirty="0" smtClean="0"/>
+              <a:t>를 선택합니다</a:t>
+            </a:r>
+            <a:r>
+              <a:rPr lang="en-US" altLang="ko-KR" sz="1100" dirty="0" smtClean="0"/>
+              <a:t>.</a:t>
+            </a:r>
+          </a:p>
+          <a:p>
+            <a:r>
+              <a:rPr lang="ko-KR" altLang="en-US" sz="1100" dirty="0" smtClean="0"/>
+              <a:t>테마</a:t>
+            </a:r>
+            <a:r>
+              <a:rPr lang="en-US" altLang="ko-KR" sz="1100" dirty="0" smtClean="0"/>
+              <a:t>, </a:t>
+            </a:r>
+            <a:r>
+              <a:rPr lang="ko-KR" altLang="en-US" sz="1100" dirty="0" err="1" smtClean="0"/>
+              <a:t>어플</a:t>
+            </a:r>
+            <a:r>
+              <a:rPr lang="ko-KR" altLang="en-US" sz="1100" dirty="0" smtClean="0"/>
+              <a:t> 이름은 </a:t>
+            </a:r>
+            <a:r>
+              <a:rPr lang="ko-KR" altLang="en-US" sz="1100" dirty="0" err="1" smtClean="0"/>
+              <a:t>카카오톡에서</a:t>
+            </a:r>
+            <a:r>
+              <a:rPr lang="ko-KR" altLang="en-US" sz="1100" dirty="0" smtClean="0"/>
+              <a:t> 테마 설정 하는 곳에서 사용하는 이름 입니다</a:t>
+            </a:r>
+            <a:r>
+              <a:rPr lang="en-US" altLang="ko-KR" sz="1100" dirty="0" smtClean="0"/>
+              <a:t>.</a:t>
+            </a:r>
+          </a:p>
+          <a:p>
+            <a:r>
+              <a:rPr lang="en-US" altLang="ko-KR" sz="1100" dirty="0" smtClean="0"/>
+              <a:t>OS </a:t>
+            </a:r>
+            <a:r>
+              <a:rPr lang="ko-KR" altLang="en-US" sz="1100" dirty="0" smtClean="0"/>
+              <a:t>종류는 </a:t>
+            </a:r>
+            <a:r>
+              <a:rPr lang="ko-KR" altLang="en-US" sz="1100" dirty="0" err="1" smtClean="0"/>
+              <a:t>안드로이드폰</a:t>
+            </a:r>
+            <a:r>
+              <a:rPr lang="en-US" altLang="ko-KR" sz="1100" dirty="0" smtClean="0"/>
+              <a:t>, </a:t>
+            </a:r>
+            <a:r>
+              <a:rPr lang="ko-KR" altLang="en-US" sz="1100" dirty="0" err="1" smtClean="0"/>
+              <a:t>아이폰</a:t>
+            </a:r>
+            <a:r>
+              <a:rPr lang="ko-KR" altLang="en-US" sz="1100" dirty="0" smtClean="0"/>
+              <a:t> 이며 실제 차후 </a:t>
+            </a:r>
+            <a:r>
+              <a:rPr lang="ko-KR" altLang="en-US" sz="1100" dirty="0" err="1" smtClean="0"/>
+              <a:t>카카오톡이</a:t>
+            </a:r>
+            <a:r>
+              <a:rPr lang="ko-KR" altLang="en-US" sz="1100" dirty="0" smtClean="0"/>
+              <a:t> 지원하는 핸드폰에서는 다 동작할 수 있도록 확장 할 수 있게 해야 합니다</a:t>
+            </a:r>
+            <a:r>
+              <a:rPr lang="en-US" altLang="ko-KR" sz="1100" dirty="0" smtClean="0"/>
+              <a:t>.</a:t>
+            </a:r>
+          </a:p>
+          <a:p>
+            <a:r>
+              <a:rPr lang="ko-KR" altLang="en-US" sz="1100" dirty="0" smtClean="0"/>
+              <a:t>화면은 탭으로 구성이 되며 특정 완료 단계를 거치면 바로 완료를 할 수 있도록 </a:t>
+            </a:r>
+            <a:r>
+              <a:rPr lang="ko-KR" altLang="en-US" sz="1100" dirty="0" err="1" smtClean="0"/>
+              <a:t>해야합니다</a:t>
+            </a:r>
+            <a:r>
+              <a:rPr lang="en-US" altLang="ko-KR" sz="1100" dirty="0" smtClean="0"/>
+              <a:t>.</a:t>
+            </a:r>
+          </a:p>
+          <a:p>
+            <a:r>
+              <a:rPr lang="ko-KR" altLang="en-US" sz="1100" dirty="0" smtClean="0"/>
+              <a:t>이전 다음 버튼을 눌러 단계별 설정을 할 수 있으며 탭을 눌러 단계별 설정을 할 수 있도록 합니다</a:t>
+            </a:r>
+            <a:r>
+              <a:rPr lang="en-US" altLang="ko-KR" sz="1100" dirty="0" smtClean="0"/>
+              <a:t>.</a:t>
+            </a:r>
+          </a:p>
+        </p:txBody>
+      </p:sp>
+      <p:pic>
+        <p:nvPicPr>
+          <p:cNvPr id="2051" name="Picture 3"/>
+          <p:cNvPicPr>
+            <a:picLocks noChangeAspect="1" noChangeArrowheads="1"/>
+          </p:cNvPicPr>
+          <p:nvPr/>
+        </p:nvPicPr>
+        <p:blipFill>
+          <a:blip r:embed="rId2">
+            <a:extLst>
+              <a:ext uri="{28A0092B-C50C-407E-A947-70E740481C1C}">
+                <a14:useLocalDpi xmlns:a14="http://schemas.microsoft.com/office/drawing/2010/main" val="0"/>
+              </a:ext>
+            </a:extLst>
+          </a:blip>
+          <a:srcRect/>
+          <a:stretch>
+            <a:fillRect/>
+          </a:stretch>
+        </p:blipFill>
+        <p:spPr bwMode="auto">
+          <a:xfrm>
+            <a:off x="772864" y="476672"/>
+            <a:ext cx="7598271" cy="4756121"/>
+          </a:xfrm>
+          <a:prstGeom prst="rect">
+            <a:avLst/>
+          </a:prstGeom>
+          <a:noFill/>
+          <a:ln>
+            <a:noFill/>
+          </a:ln>
+          <a:effectLst/>
+          <a:extLst>
+            <a:ext uri="{909E8E84-426E-40DD-AFC4-6F175D3DCCD1}">
+              <a14:hiddenFill xmlns:a14="http://schemas.microsoft.com/office/drawing/2010/main">
+                <a:solidFill>
+                  <a:schemeClr val="accent1"/>
+                </a:solidFill>
+              </a14:hiddenFill>
+            </a:ext>
+            <a:ext uri="{91240B29-F687-4F45-9708-019B960494DF}">
+              <a14:hiddenLine xmlns:a14="http://schemas.microsoft.com/office/drawing/2010/main" w="9525">
+                <a:solidFill>
+                  <a:schemeClr val="tx1"/>
+                </a:solidFill>
+                <a:miter lim="800000"/>
+                <a:headEnd/>
+                <a:tailEnd/>
+              </a14:hiddenLine>
+            </a:ext>
+            <a:ext uri="{AF507438-7753-43E0-B8FC-AC1667EBCBE1}">
+              <a14:hiddenEffects xmlns:a14="http://schemas.microsoft.com/office/drawing/2010/main">
+                <a:effectLst>
+                  <a:outerShdw dist="35921" dir="2700000" algn="ctr" rotWithShape="0">
+                    <a:schemeClr val="bg2"/>
+                  </a:outerShdw>
+                </a:effectLst>
+              </a14:hiddenEffects>
+            </a:ext>
+          </a:extLst>
+        </p:spPr>
+      </p:pic>
+    </p:spTree>
+    <p:extLst>
+      <p:ext uri="{BB962C8B-B14F-4D97-AF65-F5344CB8AC3E}">
+        <p14:creationId xmlns:p14="http://schemas.microsoft.com/office/powerpoint/2010/main" val="4199916948"/>
+      </p:ext>
+    </p:extLst>
+  </p:cSld>
+  <p:clrMapOvr>
+    <a:masterClrMapping/>
+  </p:clrMapOvr>
+</p:sld>
+</file>
+
+<file path=ppt/slides/slide6.xml><?xml version="1.0" encoding="utf-8"?>
+<p:sld xmlns:a="http://schemas.openxmlformats.org/drawingml/2006/main" xmlns:r="http://schemas.openxmlformats.org/officeDocument/2006/relationships" xmlns:p="http://schemas.openxmlformats.org/presentationml/2006/main">
+  <p:cSld>
+    <p:spTree>
+      <p:nvGrpSpPr>
+        <p:cNvPr id="1" name=""/>
+        <p:cNvGrpSpPr/>
+        <p:nvPr/>
+      </p:nvGrpSpPr>
+      <p:grpSpPr>
+        <a:xfrm>
+          <a:off x="0" y="0"/>
+          <a:ext cx="0" cy="0"/>
+          <a:chOff x="0" y="0"/>
+          <a:chExt cx="0" cy="0"/>
+        </a:xfrm>
+      </p:grpSpPr>
+      <p:sp>
+        <p:nvSpPr>
+          <p:cNvPr id="4" name="직사각형 3"/>
+          <p:cNvSpPr/>
+          <p:nvPr/>
+        </p:nvSpPr>
+        <p:spPr>
+          <a:xfrm>
+            <a:off x="0" y="0"/>
+            <a:ext cx="9144000" cy="345600"/>
+          </a:xfrm>
+          <a:prstGeom prst="rect">
+            <a:avLst/>
+          </a:prstGeom>
+        </p:spPr>
+        <p:style>
+          <a:lnRef idx="2">
+            <a:schemeClr val="accent1">
+              <a:shade val="50000"/>
+            </a:schemeClr>
+          </a:lnRef>
+          <a:fillRef idx="1">
+            <a:schemeClr val="accent1"/>
+          </a:fillRef>
+          <a:effectRef idx="0">
+            <a:schemeClr val="accent1"/>
+          </a:effectRef>
+          <a:fontRef idx="minor">
+            <a:schemeClr val="lt1"/>
+          </a:fontRef>
+        </p:style>
+        <p:txBody>
+          <a:bodyPr rtlCol="0" anchor="ctr"/>
+          <a:lstStyle/>
+          <a:p>
+            <a:pPr algn="ctr"/>
+            <a:r>
+              <a:rPr lang="ko-KR" altLang="en-US" dirty="0" err="1" smtClean="0"/>
+              <a:t>위자드</a:t>
+            </a:r>
+            <a:r>
+              <a:rPr lang="ko-KR" altLang="en-US" dirty="0" smtClean="0"/>
+              <a:t> 형태의 저작방안 </a:t>
+            </a:r>
+            <a:r>
+              <a:rPr lang="en-US" altLang="ko-KR" dirty="0"/>
+              <a:t>2</a:t>
+            </a:r>
+            <a:r>
+              <a:rPr lang="ko-KR" altLang="en-US" dirty="0" smtClean="0"/>
+              <a:t>단계 </a:t>
+            </a:r>
+            <a:r>
+              <a:rPr lang="en-US" altLang="ko-KR" dirty="0" smtClean="0"/>
+              <a:t>– </a:t>
+            </a:r>
+            <a:r>
+              <a:rPr lang="ko-KR" altLang="en-US" dirty="0" smtClean="0"/>
+              <a:t>테마 설정</a:t>
+            </a:r>
+            <a:endParaRPr lang="en-US" altLang="ko-KR" dirty="0" smtClean="0"/>
+          </a:p>
+        </p:txBody>
+      </p:sp>
+      <p:sp>
+        <p:nvSpPr>
+          <p:cNvPr id="5" name="TextBox 4"/>
+          <p:cNvSpPr txBox="1"/>
+          <p:nvPr/>
+        </p:nvSpPr>
+        <p:spPr>
+          <a:xfrm>
+            <a:off x="107504" y="5445224"/>
+            <a:ext cx="8856984" cy="938719"/>
+          </a:xfrm>
+          <a:prstGeom prst="rect">
+            <a:avLst/>
+          </a:prstGeom>
+          <a:noFill/>
+          <a:ln>
+            <a:solidFill>
+              <a:schemeClr val="accent1">
+                <a:shade val="50000"/>
+              </a:schemeClr>
+            </a:solidFill>
+            <a:prstDash val="dash"/>
+          </a:ln>
+        </p:spPr>
+        <p:txBody>
+          <a:bodyPr wrap="square" rtlCol="0">
+            <a:spAutoFit/>
+          </a:bodyPr>
+          <a:lstStyle/>
+          <a:p>
+            <a:r>
+              <a:rPr lang="ko-KR" altLang="en-US" sz="1100" dirty="0" err="1" smtClean="0"/>
+              <a:t>위자드</a:t>
+            </a:r>
+            <a:r>
+              <a:rPr lang="ko-KR" altLang="en-US" sz="1100" dirty="0" smtClean="0"/>
+              <a:t> </a:t>
+            </a:r>
+            <a:r>
+              <a:rPr lang="en-US" altLang="ko-KR" sz="1100" dirty="0" smtClean="0"/>
+              <a:t>2</a:t>
+            </a:r>
+            <a:r>
+              <a:rPr lang="ko-KR" altLang="en-US" sz="1100" dirty="0" smtClean="0"/>
+              <a:t>단계 테마 설정은 우리가 올린 테마</a:t>
+            </a:r>
+            <a:r>
+              <a:rPr lang="en-US" altLang="ko-KR" sz="1100" dirty="0" smtClean="0"/>
+              <a:t>(</a:t>
+            </a:r>
+            <a:r>
+              <a:rPr lang="ko-KR" altLang="en-US" sz="1100" dirty="0" smtClean="0"/>
+              <a:t>템플릿</a:t>
+            </a:r>
+            <a:r>
+              <a:rPr lang="en-US" altLang="ko-KR" sz="1100" dirty="0" smtClean="0"/>
+              <a:t>)</a:t>
+            </a:r>
+            <a:r>
+              <a:rPr lang="ko-KR" altLang="en-US" sz="1100" dirty="0" smtClean="0"/>
+              <a:t>이나 사용자들이 저작한 테마</a:t>
+            </a:r>
+            <a:r>
+              <a:rPr lang="en-US" altLang="ko-KR" sz="1100" dirty="0" smtClean="0"/>
+              <a:t>(</a:t>
+            </a:r>
+            <a:r>
+              <a:rPr lang="ko-KR" altLang="en-US" sz="1100" dirty="0" smtClean="0"/>
+              <a:t>템플릿</a:t>
+            </a:r>
+            <a:r>
+              <a:rPr lang="en-US" altLang="ko-KR" sz="1100" dirty="0" smtClean="0"/>
+              <a:t>)</a:t>
+            </a:r>
+            <a:r>
+              <a:rPr lang="ko-KR" altLang="en-US" sz="1100" dirty="0" smtClean="0"/>
+              <a:t>을 적용 했을 때 어떤 류의 화면이 나오는지 보여주고 상세 설정 또한 할 수 있도록 하는 단계 입니다</a:t>
+            </a:r>
+            <a:r>
+              <a:rPr lang="en-US" altLang="ko-KR" sz="1100" dirty="0" smtClean="0"/>
+              <a:t>.</a:t>
+            </a:r>
+          </a:p>
+          <a:p>
+            <a:r>
+              <a:rPr lang="ko-KR" altLang="en-US" sz="1100" dirty="0" smtClean="0"/>
+              <a:t>검색이 가능 해야 하며</a:t>
+            </a:r>
+            <a:r>
+              <a:rPr lang="en-US" altLang="ko-KR" sz="1100" dirty="0" smtClean="0"/>
+              <a:t>, </a:t>
+            </a:r>
+            <a:r>
+              <a:rPr lang="ko-KR" altLang="en-US" sz="1100" dirty="0" smtClean="0"/>
+              <a:t>보기 형식은 아이콘</a:t>
+            </a:r>
+            <a:r>
+              <a:rPr lang="en-US" altLang="ko-KR" sz="1100" dirty="0" smtClean="0"/>
+              <a:t>, </a:t>
+            </a:r>
+            <a:r>
+              <a:rPr lang="ko-KR" altLang="en-US" sz="1100" dirty="0" smtClean="0"/>
+              <a:t>리스트 형태 </a:t>
+            </a:r>
+            <a:r>
+              <a:rPr lang="en-US" altLang="ko-KR" sz="1100" dirty="0" smtClean="0"/>
+              <a:t>2</a:t>
+            </a:r>
+            <a:r>
+              <a:rPr lang="ko-KR" altLang="en-US" sz="1100" dirty="0" smtClean="0"/>
+              <a:t>가지 이상의 종류여야 하며</a:t>
+            </a:r>
+            <a:r>
+              <a:rPr lang="en-US" altLang="ko-KR" sz="1100" dirty="0" smtClean="0"/>
+              <a:t>, </a:t>
+            </a:r>
+            <a:r>
+              <a:rPr lang="ko-KR" altLang="en-US" sz="1100" dirty="0" smtClean="0"/>
+              <a:t>테마 종류를 선택하면 적용 화면이 선택한 테마 종류로 바뀌어야 합니다</a:t>
+            </a:r>
+            <a:r>
+              <a:rPr lang="en-US" altLang="ko-KR" sz="1100" dirty="0" smtClean="0"/>
+              <a:t>.</a:t>
+            </a:r>
+          </a:p>
+          <a:p>
+            <a:r>
+              <a:rPr lang="ko-KR" altLang="en-US" sz="1100" dirty="0" smtClean="0"/>
+              <a:t>그리고 적용 화면에서 특정 단계의 화면을 클릭</a:t>
+            </a:r>
+            <a:r>
+              <a:rPr lang="en-US" altLang="ko-KR" sz="1100" dirty="0" smtClean="0"/>
+              <a:t>, </a:t>
+            </a:r>
+            <a:r>
+              <a:rPr lang="ko-KR" altLang="en-US" sz="1100" dirty="0" smtClean="0"/>
+              <a:t>마우스 </a:t>
+            </a:r>
+            <a:r>
+              <a:rPr lang="ko-KR" altLang="en-US" sz="1100" dirty="0" err="1" smtClean="0"/>
+              <a:t>우클릭</a:t>
+            </a:r>
+            <a:r>
+              <a:rPr lang="en-US" altLang="ko-KR" sz="1100" dirty="0" smtClean="0"/>
+              <a:t>(</a:t>
+            </a:r>
+            <a:r>
+              <a:rPr lang="ko-KR" altLang="en-US" sz="1100" dirty="0" smtClean="0"/>
+              <a:t>상세</a:t>
+            </a:r>
+            <a:r>
+              <a:rPr lang="en-US" altLang="ko-KR" sz="1100" dirty="0" smtClean="0"/>
+              <a:t>), </a:t>
+            </a:r>
+            <a:r>
+              <a:rPr lang="ko-KR" altLang="en-US" sz="1100" dirty="0" smtClean="0"/>
+              <a:t>하는 경우 상세 저작 화면을 보여주도록 합니다</a:t>
+            </a:r>
+            <a:r>
+              <a:rPr lang="en-US" altLang="ko-KR" sz="1100" dirty="0" smtClean="0"/>
+              <a:t>.</a:t>
+            </a:r>
+          </a:p>
+        </p:txBody>
+      </p:sp>
+      <p:pic>
+        <p:nvPicPr>
+          <p:cNvPr id="3074" name="Picture 2"/>
+          <p:cNvPicPr>
+            <a:picLocks noChangeAspect="1" noChangeArrowheads="1"/>
+          </p:cNvPicPr>
+          <p:nvPr/>
+        </p:nvPicPr>
+        <p:blipFill>
+          <a:blip r:embed="rId2">
+            <a:extLst>
+              <a:ext uri="{28A0092B-C50C-407E-A947-70E740481C1C}">
+                <a14:useLocalDpi xmlns:a14="http://schemas.microsoft.com/office/drawing/2010/main" val="0"/>
+              </a:ext>
+            </a:extLst>
+          </a:blip>
+          <a:srcRect/>
+          <a:stretch>
+            <a:fillRect/>
+          </a:stretch>
+        </p:blipFill>
+        <p:spPr bwMode="auto">
+          <a:xfrm>
+            <a:off x="467544" y="476672"/>
+            <a:ext cx="8582100" cy="4519049"/>
+          </a:xfrm>
+          <a:prstGeom prst="rect">
+            <a:avLst/>
+          </a:prstGeom>
+          <a:noFill/>
+          <a:ln>
+            <a:noFill/>
+          </a:ln>
+          <a:effectLst/>
+          <a:extLst>
+            <a:ext uri="{909E8E84-426E-40DD-AFC4-6F175D3DCCD1}">
+              <a14:hiddenFill xmlns:a14="http://schemas.microsoft.com/office/drawing/2010/main">
+                <a:solidFill>
+                  <a:schemeClr val="accent1"/>
+                </a:solidFill>
+              </a14:hiddenFill>
+            </a:ext>
+            <a:ext uri="{91240B29-F687-4F45-9708-019B960494DF}">
+              <a14:hiddenLine xmlns:a14="http://schemas.microsoft.com/office/drawing/2010/main" w="9525">
+                <a:solidFill>
+                  <a:schemeClr val="tx1"/>
+                </a:solidFill>
+                <a:miter lim="800000"/>
+                <a:headEnd/>
+                <a:tailEnd/>
+              </a14:hiddenLine>
+            </a:ext>
+            <a:ext uri="{AF507438-7753-43E0-B8FC-AC1667EBCBE1}">
+              <a14:hiddenEffects xmlns:a14="http://schemas.microsoft.com/office/drawing/2010/main">
+                <a:effectLst>
+                  <a:outerShdw dist="35921" dir="2700000" algn="ctr" rotWithShape="0">
+                    <a:schemeClr val="bg2"/>
+                  </a:outerShdw>
+                </a:effectLst>
+              </a14:hiddenEffects>
+            </a:ext>
+          </a:extLst>
+        </p:spPr>
+      </p:pic>
+    </p:spTree>
+    <p:extLst>
+      <p:ext uri="{BB962C8B-B14F-4D97-AF65-F5344CB8AC3E}">
+        <p14:creationId xmlns:p14="http://schemas.microsoft.com/office/powerpoint/2010/main" val="1590092385"/>
+      </p:ext>
+    </p:extLst>
+  </p:cSld>
+  <p:clrMapOvr>
+    <a:masterClrMapping/>
+  </p:clrMapOvr>
+</p:sld>
+</file>
+
+<file path=ppt/slides/slide7.xml><?xml version="1.0" encoding="utf-8"?>
+<p:sld xmlns:a="http://schemas.openxmlformats.org/drawingml/2006/main" xmlns:r="http://schemas.openxmlformats.org/officeDocument/2006/relationships" xmlns:p="http://schemas.openxmlformats.org/presentationml/2006/main">
+  <p:cSld>
+    <p:spTree>
+      <p:nvGrpSpPr>
+        <p:cNvPr id="1" name=""/>
+        <p:cNvGrpSpPr/>
+        <p:nvPr/>
+      </p:nvGrpSpPr>
+      <p:grpSpPr>
+        <a:xfrm>
+          <a:off x="0" y="0"/>
+          <a:ext cx="0" cy="0"/>
+          <a:chOff x="0" y="0"/>
+          <a:chExt cx="0" cy="0"/>
+        </a:xfrm>
+      </p:grpSpPr>
+      <p:sp>
+        <p:nvSpPr>
+          <p:cNvPr id="4" name="직사각형 3"/>
+          <p:cNvSpPr/>
+          <p:nvPr/>
+        </p:nvSpPr>
+        <p:spPr>
+          <a:xfrm>
+            <a:off x="0" y="0"/>
+            <a:ext cx="9144000" cy="345600"/>
+          </a:xfrm>
+          <a:prstGeom prst="rect">
+            <a:avLst/>
+          </a:prstGeom>
+        </p:spPr>
+        <p:style>
+          <a:lnRef idx="2">
+            <a:schemeClr val="accent1">
+              <a:shade val="50000"/>
+            </a:schemeClr>
+          </a:lnRef>
+          <a:fillRef idx="1">
+            <a:schemeClr val="accent1"/>
+          </a:fillRef>
+          <a:effectRef idx="0">
+            <a:schemeClr val="accent1"/>
+          </a:effectRef>
+          <a:fontRef idx="minor">
+            <a:schemeClr val="lt1"/>
+          </a:fontRef>
+        </p:style>
+        <p:txBody>
+          <a:bodyPr rtlCol="0" anchor="ctr"/>
+          <a:lstStyle/>
+          <a:p>
+            <a:pPr algn="ctr"/>
+            <a:r>
+              <a:rPr lang="ko-KR" altLang="en-US" dirty="0" smtClean="0"/>
+              <a:t>별첨 </a:t>
+            </a:r>
+            <a:r>
+              <a:rPr lang="en-US" altLang="ko-KR" dirty="0" smtClean="0"/>
+              <a:t>: </a:t>
+            </a:r>
+            <a:r>
+              <a:rPr lang="ko-KR" altLang="en-US" dirty="0" smtClean="0"/>
+              <a:t>상세 저작 단계</a:t>
+            </a:r>
+            <a:endParaRPr lang="en-US" altLang="ko-KR" dirty="0" smtClean="0"/>
+          </a:p>
+        </p:txBody>
+      </p:sp>
+      <p:sp>
+        <p:nvSpPr>
+          <p:cNvPr id="5" name="TextBox 4"/>
+          <p:cNvSpPr txBox="1"/>
+          <p:nvPr/>
+        </p:nvSpPr>
+        <p:spPr>
+          <a:xfrm>
+            <a:off x="107504" y="5445224"/>
+            <a:ext cx="8856984" cy="938719"/>
+          </a:xfrm>
+          <a:prstGeom prst="rect">
+            <a:avLst/>
+          </a:prstGeom>
+          <a:noFill/>
+          <a:ln>
+            <a:solidFill>
+              <a:schemeClr val="accent1">
+                <a:shade val="50000"/>
+              </a:schemeClr>
+            </a:solidFill>
+            <a:prstDash val="dash"/>
+          </a:ln>
+        </p:spPr>
+        <p:txBody>
+          <a:bodyPr wrap="square" rtlCol="0">
+            <a:spAutoFit/>
+          </a:bodyPr>
+          <a:lstStyle/>
+          <a:p>
+            <a:r>
+              <a:rPr lang="ko-KR" altLang="en-US" sz="1100" dirty="0" err="1" smtClean="0"/>
+              <a:t>위자드</a:t>
+            </a:r>
+            <a:r>
+              <a:rPr lang="ko-KR" altLang="en-US" sz="1100" dirty="0" smtClean="0"/>
+              <a:t> </a:t>
+            </a:r>
+            <a:r>
+              <a:rPr lang="en-US" altLang="ko-KR" sz="1100" dirty="0" smtClean="0"/>
+              <a:t>2</a:t>
+            </a:r>
+            <a:r>
+              <a:rPr lang="ko-KR" altLang="en-US" sz="1100" dirty="0" smtClean="0"/>
+              <a:t>단계 테마 설정은 우리가 올린 테마</a:t>
+            </a:r>
+            <a:r>
+              <a:rPr lang="en-US" altLang="ko-KR" sz="1100" dirty="0" smtClean="0"/>
+              <a:t>(</a:t>
+            </a:r>
+            <a:r>
+              <a:rPr lang="ko-KR" altLang="en-US" sz="1100" dirty="0" smtClean="0"/>
+              <a:t>템플릿</a:t>
+            </a:r>
+            <a:r>
+              <a:rPr lang="en-US" altLang="ko-KR" sz="1100" dirty="0" smtClean="0"/>
+              <a:t>)</a:t>
+            </a:r>
+            <a:r>
+              <a:rPr lang="ko-KR" altLang="en-US" sz="1100" dirty="0" smtClean="0"/>
+              <a:t>이나 사용자들이 저작한 테마</a:t>
+            </a:r>
+            <a:r>
+              <a:rPr lang="en-US" altLang="ko-KR" sz="1100" dirty="0" smtClean="0"/>
+              <a:t>(</a:t>
+            </a:r>
+            <a:r>
+              <a:rPr lang="ko-KR" altLang="en-US" sz="1100" dirty="0" smtClean="0"/>
+              <a:t>템플릿</a:t>
+            </a:r>
+            <a:r>
+              <a:rPr lang="en-US" altLang="ko-KR" sz="1100" dirty="0" smtClean="0"/>
+              <a:t>)</a:t>
+            </a:r>
+            <a:r>
+              <a:rPr lang="ko-KR" altLang="en-US" sz="1100" dirty="0" smtClean="0"/>
+              <a:t>을 적용 했을 때 어떤 류의 화면이 나오는지 보여주고 상세 설정 또한 할 수 있도록 하는 단계 입니다</a:t>
+            </a:r>
+            <a:r>
+              <a:rPr lang="en-US" altLang="ko-KR" sz="1100" dirty="0" smtClean="0"/>
+              <a:t>.</a:t>
+            </a:r>
+          </a:p>
+          <a:p>
+            <a:r>
+              <a:rPr lang="ko-KR" altLang="en-US" sz="1100" dirty="0" smtClean="0"/>
+              <a:t>검색이 가능 해야 하며</a:t>
+            </a:r>
+            <a:r>
+              <a:rPr lang="en-US" altLang="ko-KR" sz="1100" dirty="0" smtClean="0"/>
+              <a:t>, </a:t>
+            </a:r>
+            <a:r>
+              <a:rPr lang="ko-KR" altLang="en-US" sz="1100" dirty="0" smtClean="0"/>
+              <a:t>보기 형식은 아이콘</a:t>
+            </a:r>
+            <a:r>
+              <a:rPr lang="en-US" altLang="ko-KR" sz="1100" dirty="0" smtClean="0"/>
+              <a:t>, </a:t>
+            </a:r>
+            <a:r>
+              <a:rPr lang="ko-KR" altLang="en-US" sz="1100" dirty="0" smtClean="0"/>
+              <a:t>리스트 형태 </a:t>
+            </a:r>
+            <a:r>
+              <a:rPr lang="en-US" altLang="ko-KR" sz="1100" dirty="0" smtClean="0"/>
+              <a:t>2</a:t>
+            </a:r>
+            <a:r>
+              <a:rPr lang="ko-KR" altLang="en-US" sz="1100" dirty="0" smtClean="0"/>
+              <a:t>가지 이상의 종류여야 하며</a:t>
+            </a:r>
+            <a:r>
+              <a:rPr lang="en-US" altLang="ko-KR" sz="1100" dirty="0" smtClean="0"/>
+              <a:t>, </a:t>
+            </a:r>
+            <a:r>
+              <a:rPr lang="ko-KR" altLang="en-US" sz="1100" dirty="0" smtClean="0"/>
+              <a:t>테마 종류를 선택하면 적용 화면이 선택한 테마 종류로 바뀌어야 합니다</a:t>
+            </a:r>
+            <a:r>
+              <a:rPr lang="en-US" altLang="ko-KR" sz="1100" dirty="0" smtClean="0"/>
+              <a:t>.</a:t>
+            </a:r>
+          </a:p>
+          <a:p>
+            <a:r>
+              <a:rPr lang="ko-KR" altLang="en-US" sz="1100" dirty="0" smtClean="0"/>
+              <a:t>그리고 적용 화면에서 특정 단계의 화면을 클릭</a:t>
+            </a:r>
+            <a:r>
+              <a:rPr lang="en-US" altLang="ko-KR" sz="1100" dirty="0" smtClean="0"/>
+              <a:t>, </a:t>
+            </a:r>
+            <a:r>
+              <a:rPr lang="ko-KR" altLang="en-US" sz="1100" dirty="0" smtClean="0"/>
+              <a:t>마우스 </a:t>
+            </a:r>
+            <a:r>
+              <a:rPr lang="ko-KR" altLang="en-US" sz="1100" dirty="0" err="1" smtClean="0"/>
+              <a:t>우클릭</a:t>
+            </a:r>
+            <a:r>
+              <a:rPr lang="en-US" altLang="ko-KR" sz="1100" dirty="0" smtClean="0"/>
+              <a:t>(</a:t>
+            </a:r>
+            <a:r>
+              <a:rPr lang="ko-KR" altLang="en-US" sz="1100" dirty="0" smtClean="0"/>
+              <a:t>상세</a:t>
+            </a:r>
+            <a:r>
+              <a:rPr lang="en-US" altLang="ko-KR" sz="1100" dirty="0" smtClean="0"/>
+              <a:t>), </a:t>
+            </a:r>
+            <a:r>
+              <a:rPr lang="ko-KR" altLang="en-US" sz="1100" dirty="0" smtClean="0"/>
+              <a:t>하는 경우 상세 저작 화면을 보여주도록 합니다</a:t>
+            </a:r>
+            <a:r>
+              <a:rPr lang="en-US" altLang="ko-KR" sz="1100" dirty="0" smtClean="0"/>
+              <a:t>.</a:t>
+            </a:r>
+          </a:p>
+        </p:txBody>
+      </p:sp>
+    </p:spTree>
+    <p:extLst>
+      <p:ext uri="{BB962C8B-B14F-4D97-AF65-F5344CB8AC3E}">
+        <p14:creationId xmlns:p14="http://schemas.microsoft.com/office/powerpoint/2010/main" val="1446485378"/>
+      </p:ext>
+    </p:extLst>
+  </p:cSld>
+  <p:clrMapOvr>
+    <a:masterClrMapping/>
+  </p:clrMapOvr>
+</p:sld>
+</file>
+
+<file path=ppt/slides/slide8.xml><?xml version="1.0" encoding="utf-8"?>
+<p:sld xmlns:a="http://schemas.openxmlformats.org/drawingml/2006/main" xmlns:r="http://schemas.openxmlformats.org/officeDocument/2006/relationships" xmlns:p="http://schemas.openxmlformats.org/presentationml/2006/main">
+  <p:cSld>
+    <p:spTree>
+      <p:nvGrpSpPr>
+        <p:cNvPr id="1" name=""/>
+        <p:cNvGrpSpPr/>
+        <p:nvPr/>
+      </p:nvGrpSpPr>
+      <p:grpSpPr>
+        <a:xfrm>
+          <a:off x="0" y="0"/>
+          <a:ext cx="0" cy="0"/>
+          <a:chOff x="0" y="0"/>
+          <a:chExt cx="0" cy="0"/>
+        </a:xfrm>
+      </p:grpSpPr>
+      <p:sp>
+        <p:nvSpPr>
+          <p:cNvPr id="4" name="직사각형 3"/>
+          <p:cNvSpPr/>
+          <p:nvPr/>
+        </p:nvSpPr>
+        <p:spPr>
+          <a:xfrm>
+            <a:off x="0" y="0"/>
+            <a:ext cx="9144000" cy="345600"/>
+          </a:xfrm>
+          <a:prstGeom prst="rect">
+            <a:avLst/>
+          </a:prstGeom>
+        </p:spPr>
+        <p:style>
+          <a:lnRef idx="2">
+            <a:schemeClr val="accent1">
+              <a:shade val="50000"/>
+            </a:schemeClr>
+          </a:lnRef>
+          <a:fillRef idx="1">
+            <a:schemeClr val="accent1"/>
+          </a:fillRef>
+          <a:effectRef idx="0">
+            <a:schemeClr val="accent1"/>
+          </a:effectRef>
+          <a:fontRef idx="minor">
+            <a:schemeClr val="lt1"/>
+          </a:fontRef>
+        </p:style>
+        <p:txBody>
+          <a:bodyPr rtlCol="0" anchor="ctr"/>
+          <a:lstStyle/>
+          <a:p>
+            <a:pPr algn="ctr"/>
+            <a:r>
+              <a:rPr lang="ko-KR" altLang="en-US" dirty="0" err="1" smtClean="0"/>
+              <a:t>위자드</a:t>
+            </a:r>
+            <a:r>
+              <a:rPr lang="ko-KR" altLang="en-US" dirty="0" smtClean="0"/>
+              <a:t> 형태의 저작방안 </a:t>
+            </a:r>
+            <a:r>
+              <a:rPr lang="en-US" altLang="ko-KR" dirty="0" smtClean="0"/>
+              <a:t>3</a:t>
+            </a:r>
+            <a:r>
+              <a:rPr lang="ko-KR" altLang="en-US" dirty="0" smtClean="0"/>
+              <a:t>단계 </a:t>
+            </a:r>
+            <a:r>
+              <a:rPr lang="en-US" altLang="ko-KR" dirty="0" smtClean="0"/>
+              <a:t>– </a:t>
+            </a:r>
+            <a:r>
+              <a:rPr lang="ko-KR" altLang="en-US" dirty="0" smtClean="0"/>
+              <a:t>보색 단계</a:t>
+            </a:r>
+            <a:endParaRPr lang="en-US" altLang="ko-KR" dirty="0" smtClean="0"/>
+          </a:p>
+        </p:txBody>
+      </p:sp>
+      <p:sp>
+        <p:nvSpPr>
+          <p:cNvPr id="5" name="TextBox 4"/>
+          <p:cNvSpPr txBox="1"/>
+          <p:nvPr/>
+        </p:nvSpPr>
+        <p:spPr>
+          <a:xfrm>
+            <a:off x="107504" y="5445224"/>
+            <a:ext cx="8856984" cy="938719"/>
+          </a:xfrm>
+          <a:prstGeom prst="rect">
+            <a:avLst/>
+          </a:prstGeom>
+          <a:noFill/>
+          <a:ln>
+            <a:solidFill>
+              <a:schemeClr val="accent1">
+                <a:shade val="50000"/>
+              </a:schemeClr>
+            </a:solidFill>
+            <a:prstDash val="dash"/>
+          </a:ln>
+        </p:spPr>
+        <p:txBody>
+          <a:bodyPr wrap="square" rtlCol="0">
+            <a:spAutoFit/>
+          </a:bodyPr>
+          <a:lstStyle/>
+          <a:p>
+            <a:r>
+              <a:rPr lang="ko-KR" altLang="en-US" sz="1100" dirty="0" err="1" smtClean="0"/>
+              <a:t>위자드</a:t>
+            </a:r>
+            <a:r>
+              <a:rPr lang="ko-KR" altLang="en-US" sz="1100" dirty="0" smtClean="0"/>
+              <a:t> </a:t>
+            </a:r>
+            <a:r>
+              <a:rPr lang="en-US" altLang="ko-KR" sz="1100" dirty="0" smtClean="0"/>
+              <a:t>2</a:t>
+            </a:r>
+            <a:r>
+              <a:rPr lang="ko-KR" altLang="en-US" sz="1100" dirty="0" smtClean="0"/>
+              <a:t>단계 테마 설정은 우리가 올린 테마</a:t>
+            </a:r>
+            <a:r>
+              <a:rPr lang="en-US" altLang="ko-KR" sz="1100" dirty="0" smtClean="0"/>
+              <a:t>(</a:t>
+            </a:r>
+            <a:r>
+              <a:rPr lang="ko-KR" altLang="en-US" sz="1100" dirty="0" smtClean="0"/>
+              <a:t>템플릿</a:t>
+            </a:r>
+            <a:r>
+              <a:rPr lang="en-US" altLang="ko-KR" sz="1100" dirty="0" smtClean="0"/>
+              <a:t>)</a:t>
+            </a:r>
+            <a:r>
+              <a:rPr lang="ko-KR" altLang="en-US" sz="1100" dirty="0" smtClean="0"/>
+              <a:t>이나 사용자들이 저작한 테마</a:t>
+            </a:r>
+            <a:r>
+              <a:rPr lang="en-US" altLang="ko-KR" sz="1100" dirty="0" smtClean="0"/>
+              <a:t>(</a:t>
+            </a:r>
+            <a:r>
+              <a:rPr lang="ko-KR" altLang="en-US" sz="1100" dirty="0" smtClean="0"/>
+              <a:t>템플릿</a:t>
+            </a:r>
+            <a:r>
+              <a:rPr lang="en-US" altLang="ko-KR" sz="1100" dirty="0" smtClean="0"/>
+              <a:t>)</a:t>
+            </a:r>
+            <a:r>
+              <a:rPr lang="ko-KR" altLang="en-US" sz="1100" dirty="0" smtClean="0"/>
+              <a:t>을 적용 했을 때 어떤 류의 화면이 나오는지 보여주고 상세 설정 또한 할 수 있도록 하는 단계 입니다</a:t>
+            </a:r>
+            <a:r>
+              <a:rPr lang="en-US" altLang="ko-KR" sz="1100" dirty="0" smtClean="0"/>
+              <a:t>.</a:t>
+            </a:r>
+          </a:p>
+          <a:p>
+            <a:r>
+              <a:rPr lang="ko-KR" altLang="en-US" sz="1100" dirty="0" smtClean="0"/>
+              <a:t>검색이 가능 해야 하며</a:t>
+            </a:r>
+            <a:r>
+              <a:rPr lang="en-US" altLang="ko-KR" sz="1100" dirty="0" smtClean="0"/>
+              <a:t>, </a:t>
+            </a:r>
+            <a:r>
+              <a:rPr lang="ko-KR" altLang="en-US" sz="1100" dirty="0" smtClean="0"/>
+              <a:t>보기 형식은 아이콘</a:t>
+            </a:r>
+            <a:r>
+              <a:rPr lang="en-US" altLang="ko-KR" sz="1100" dirty="0" smtClean="0"/>
+              <a:t>, </a:t>
+            </a:r>
+            <a:r>
+              <a:rPr lang="ko-KR" altLang="en-US" sz="1100" dirty="0" smtClean="0"/>
+              <a:t>리스트 형태 </a:t>
+            </a:r>
+            <a:r>
+              <a:rPr lang="en-US" altLang="ko-KR" sz="1100" dirty="0" smtClean="0"/>
+              <a:t>2</a:t>
+            </a:r>
+            <a:r>
+              <a:rPr lang="ko-KR" altLang="en-US" sz="1100" dirty="0" smtClean="0"/>
+              <a:t>가지 이상의 종류여야 하며</a:t>
+            </a:r>
+            <a:r>
+              <a:rPr lang="en-US" altLang="ko-KR" sz="1100" dirty="0" smtClean="0"/>
+              <a:t>, </a:t>
+            </a:r>
+            <a:r>
+              <a:rPr lang="ko-KR" altLang="en-US" sz="1100" dirty="0" smtClean="0"/>
+              <a:t>테마 종류를 선택하면 적용 화면이 선택한 테마 종류로 바뀌어야 합니다</a:t>
+            </a:r>
+            <a:r>
+              <a:rPr lang="en-US" altLang="ko-KR" sz="1100" dirty="0" smtClean="0"/>
+              <a:t>.</a:t>
+            </a:r>
+          </a:p>
+          <a:p>
+            <a:r>
+              <a:rPr lang="ko-KR" altLang="en-US" sz="1100" dirty="0" smtClean="0"/>
+              <a:t>그리고 적용 화면에서 특정 단계의 화면을 클릭</a:t>
+            </a:r>
+            <a:r>
+              <a:rPr lang="en-US" altLang="ko-KR" sz="1100" dirty="0" smtClean="0"/>
+              <a:t>, </a:t>
+            </a:r>
+            <a:r>
+              <a:rPr lang="ko-KR" altLang="en-US" sz="1100" dirty="0" smtClean="0"/>
+              <a:t>마우스 </a:t>
+            </a:r>
+            <a:r>
+              <a:rPr lang="ko-KR" altLang="en-US" sz="1100" dirty="0" err="1" smtClean="0"/>
+              <a:t>우클릭</a:t>
+            </a:r>
+            <a:r>
+              <a:rPr lang="en-US" altLang="ko-KR" sz="1100" dirty="0" smtClean="0"/>
+              <a:t>(</a:t>
+            </a:r>
+            <a:r>
+              <a:rPr lang="ko-KR" altLang="en-US" sz="1100" dirty="0" smtClean="0"/>
+              <a:t>상세</a:t>
+            </a:r>
+            <a:r>
+              <a:rPr lang="en-US" altLang="ko-KR" sz="1100" dirty="0" smtClean="0"/>
+              <a:t>), </a:t>
+            </a:r>
+            <a:r>
+              <a:rPr lang="ko-KR" altLang="en-US" sz="1100" dirty="0" smtClean="0"/>
+              <a:t>하는 경우 상세 저작 화면을 보여주도록 합니다</a:t>
+            </a:r>
+            <a:r>
+              <a:rPr lang="en-US" altLang="ko-KR" sz="1100" dirty="0" smtClean="0"/>
+              <a:t>.</a:t>
+            </a:r>
+          </a:p>
+        </p:txBody>
+      </p:sp>
+      <p:pic>
+        <p:nvPicPr>
+          <p:cNvPr id="3074" name="Picture 2"/>
+          <p:cNvPicPr>
+            <a:picLocks noChangeAspect="1" noChangeArrowheads="1"/>
+          </p:cNvPicPr>
+          <p:nvPr/>
+        </p:nvPicPr>
+        <p:blipFill>
+          <a:blip r:embed="rId2">
+            <a:extLst>
+              <a:ext uri="{28A0092B-C50C-407E-A947-70E740481C1C}">
+                <a14:useLocalDpi xmlns:a14="http://schemas.microsoft.com/office/drawing/2010/main" val="0"/>
+              </a:ext>
+            </a:extLst>
+          </a:blip>
+          <a:srcRect/>
+          <a:stretch>
+            <a:fillRect/>
+          </a:stretch>
+        </p:blipFill>
+        <p:spPr bwMode="auto">
+          <a:xfrm>
+            <a:off x="467544" y="476672"/>
+            <a:ext cx="8582100" cy="4519049"/>
+          </a:xfrm>
+          <a:prstGeom prst="rect">
+            <a:avLst/>
+          </a:prstGeom>
+          <a:noFill/>
+          <a:ln>
+            <a:noFill/>
+          </a:ln>
+          <a:effectLst/>
+          <a:extLst>
+            <a:ext uri="{909E8E84-426E-40DD-AFC4-6F175D3DCCD1}">
+              <a14:hiddenFill xmlns:a14="http://schemas.microsoft.com/office/drawing/2010/main">
+                <a:solidFill>
+                  <a:schemeClr val="accent1"/>
+                </a:solidFill>
+              </a14:hiddenFill>
+            </a:ext>
+            <a:ext uri="{91240B29-F687-4F45-9708-019B960494DF}">
+              <a14:hiddenLine xmlns:a14="http://schemas.microsoft.com/office/drawing/2010/main" w="9525">
+                <a:solidFill>
+                  <a:schemeClr val="tx1"/>
+                </a:solidFill>
+                <a:miter lim="800000"/>
+                <a:headEnd/>
+                <a:tailEnd/>
+              </a14:hiddenLine>
+            </a:ext>
+            <a:ext uri="{AF507438-7753-43E0-B8FC-AC1667EBCBE1}">
+              <a14:hiddenEffects xmlns:a14="http://schemas.microsoft.com/office/drawing/2010/main">
+                <a:effectLst>
+                  <a:outerShdw dist="35921" dir="2700000" algn="ctr" rotWithShape="0">
+                    <a:schemeClr val="bg2"/>
+                  </a:outerShdw>
+                </a:effectLst>
+              </a14:hiddenEffects>
+            </a:ext>
+          </a:extLst>
+        </p:spPr>
+      </p:pic>
+    </p:spTree>
+    <p:extLst>
+      <p:ext uri="{BB962C8B-B14F-4D97-AF65-F5344CB8AC3E}">
+        <p14:creationId xmlns:p14="http://schemas.microsoft.com/office/powerpoint/2010/main" val="2175365780"/>
+      </p:ext>
+    </p:extLst>
+  </p:cSld>
+  <p:clrMapOvr>
+    <a:masterClrMapping/>
+  </p:clrMapOvr>
+</p:sld>
+</file>
+
+<file path=ppt/slides/slide9.xml><?xml version="1.0" encoding="utf-8"?>
+<p:sld xmlns:a="http://schemas.openxmlformats.org/drawingml/2006/main" xmlns:r="http://schemas.openxmlformats.org/officeDocument/2006/relationships" xmlns:p="http://schemas.openxmlformats.org/presentationml/2006/main">
+  <p:cSld>
+    <p:spTree>
+      <p:nvGrpSpPr>
+        <p:cNvPr id="1" name=""/>
+        <p:cNvGrpSpPr/>
+        <p:nvPr/>
+      </p:nvGrpSpPr>
+      <p:grpSpPr>
+        <a:xfrm>
+          <a:off x="0" y="0"/>
+          <a:ext cx="0" cy="0"/>
+          <a:chOff x="0" y="0"/>
+          <a:chExt cx="0" cy="0"/>
+        </a:xfrm>
+      </p:grpSpPr>
+      <p:sp>
+        <p:nvSpPr>
+          <p:cNvPr id="2" name="제목 1"/>
+          <p:cNvSpPr>
+            <a:spLocks noGrp="1"/>
+          </p:cNvSpPr>
+          <p:nvPr>
+            <p:ph type="title"/>
+          </p:nvPr>
+        </p:nvSpPr>
+        <p:spPr/>
+        <p:txBody>
+          <a:bodyPr/>
+          <a:lstStyle/>
+          <a:p>
+            <a:endParaRPr lang="ko-KR" altLang="en-US"/>
+          </a:p>
+        </p:txBody>
+      </p:sp>
+      <p:sp>
+        <p:nvSpPr>
+          <p:cNvPr id="3" name="내용 개체 틀 2"/>
+          <p:cNvSpPr>
+            <a:spLocks noGrp="1"/>
+          </p:cNvSpPr>
+          <p:nvPr>
+            <p:ph idx="1"/>
+          </p:nvPr>
+        </p:nvSpPr>
+        <p:spPr/>
+        <p:txBody>
+          <a:bodyPr/>
+          <a:lstStyle/>
+          <a:p>
+            <a:endParaRPr lang="ko-KR" altLang="en-US"/>
+          </a:p>
+        </p:txBody>
+      </p:sp>
+    </p:spTree>
+    <p:extLst>
+      <p:ext uri="{BB962C8B-B14F-4D97-AF65-F5344CB8AC3E}">
+        <p14:creationId xmlns:p14="http://schemas.microsoft.com/office/powerpoint/2010/main" val="3638142915"/>
       </p:ext>
     </p:extLst>
   </p:cSld>
